--- a/Part 3 - Logic Development/Pseudocode.pptx
+++ b/Part 3 - Logic Development/Pseudocode.pptx
@@ -5,18 +5,19 @@
     <p:sldMasterId id="2147483648" r:id="rId1"/>
   </p:sldMasterIdLst>
   <p:notesMasterIdLst>
-    <p:notesMasterId r:id="rId11"/>
+    <p:notesMasterId r:id="rId12"/>
   </p:notesMasterIdLst>
   <p:sldIdLst>
     <p:sldId id="257" r:id="rId2"/>
     <p:sldId id="258" r:id="rId3"/>
-    <p:sldId id="261" r:id="rId4"/>
-    <p:sldId id="262" r:id="rId5"/>
-    <p:sldId id="263" r:id="rId6"/>
-    <p:sldId id="264" r:id="rId7"/>
-    <p:sldId id="265" r:id="rId8"/>
-    <p:sldId id="267" r:id="rId9"/>
-    <p:sldId id="266" r:id="rId10"/>
+    <p:sldId id="268" r:id="rId4"/>
+    <p:sldId id="261" r:id="rId5"/>
+    <p:sldId id="262" r:id="rId6"/>
+    <p:sldId id="263" r:id="rId7"/>
+    <p:sldId id="264" r:id="rId8"/>
+    <p:sldId id="265" r:id="rId9"/>
+    <p:sldId id="267" r:id="rId10"/>
+    <p:sldId id="266" r:id="rId11"/>
   </p:sldIdLst>
   <p:sldSz cx="12192000" cy="6858000"/>
   <p:notesSz cx="6858000" cy="9144000"/>
@@ -213,7 +214,7 @@
           <a:p>
             <a:fld id="{F666E1FD-E7A0-497B-BBC0-740BAAC97C64}" type="datetimeFigureOut">
               <a:rPr lang="en-PH" smtClean="0"/>
-              <a:t>1/23/24</a:t>
+              <a:t>1/24/24</a:t>
             </a:fld>
             <a:endParaRPr lang="en-PH"/>
           </a:p>
@@ -481,6 +482,174 @@
 </p:notesMaster>
 </file>
 
+<file path=ppt/notesSlides/notesSlide1.xml><?xml version="1.0" encoding="utf-8"?>
+<p:notes xmlns:a="http://schemas.openxmlformats.org/drawingml/2006/main" xmlns:r="http://schemas.openxmlformats.org/officeDocument/2006/relationships" xmlns:p="http://schemas.openxmlformats.org/presentationml/2006/main">
+  <p:cSld>
+    <p:spTree>
+      <p:nvGrpSpPr>
+        <p:cNvPr id="1" name=""/>
+        <p:cNvGrpSpPr/>
+        <p:nvPr/>
+      </p:nvGrpSpPr>
+      <p:grpSpPr>
+        <a:xfrm>
+          <a:off x="0" y="0"/>
+          <a:ext cx="0" cy="0"/>
+          <a:chOff x="0" y="0"/>
+          <a:chExt cx="0" cy="0"/>
+        </a:xfrm>
+      </p:grpSpPr>
+      <p:sp>
+        <p:nvSpPr>
+          <p:cNvPr id="2" name="Slide Image Placeholder 1"/>
+          <p:cNvSpPr>
+            <a:spLocks noGrp="1" noRot="1" noChangeAspect="1"/>
+          </p:cNvSpPr>
+          <p:nvPr>
+            <p:ph type="sldImg"/>
+          </p:nvPr>
+        </p:nvSpPr>
+        <p:spPr/>
+      </p:sp>
+      <p:sp>
+        <p:nvSpPr>
+          <p:cNvPr id="3" name="Notes Placeholder 2"/>
+          <p:cNvSpPr>
+            <a:spLocks noGrp="1"/>
+          </p:cNvSpPr>
+          <p:nvPr>
+            <p:ph type="body" idx="1"/>
+          </p:nvPr>
+        </p:nvSpPr>
+        <p:spPr/>
+        <p:txBody>
+          <a:bodyPr/>
+          <a:lstStyle/>
+          <a:p>
+            <a:endParaRPr lang="en-US" dirty="0"/>
+          </a:p>
+        </p:txBody>
+      </p:sp>
+      <p:sp>
+        <p:nvSpPr>
+          <p:cNvPr id="4" name="Slide Number Placeholder 3"/>
+          <p:cNvSpPr>
+            <a:spLocks noGrp="1"/>
+          </p:cNvSpPr>
+          <p:nvPr>
+            <p:ph type="sldNum" sz="quarter" idx="5"/>
+          </p:nvPr>
+        </p:nvSpPr>
+        <p:spPr/>
+        <p:txBody>
+          <a:bodyPr/>
+          <a:lstStyle/>
+          <a:p>
+            <a:fld id="{FE90CCE9-4AAE-4E1F-85AD-521A406D6524}" type="slidenum">
+              <a:rPr lang="en-PH" smtClean="0"/>
+              <a:t>2</a:t>
+            </a:fld>
+            <a:endParaRPr lang="en-PH"/>
+          </a:p>
+        </p:txBody>
+      </p:sp>
+    </p:spTree>
+    <p:extLst>
+      <p:ext uri="{BB962C8B-B14F-4D97-AF65-F5344CB8AC3E}">
+        <p14:creationId xmlns:p14="http://schemas.microsoft.com/office/powerpoint/2010/main" val="188533842"/>
+      </p:ext>
+    </p:extLst>
+  </p:cSld>
+  <p:clrMapOvr>
+    <a:masterClrMapping/>
+  </p:clrMapOvr>
+</p:notes>
+</file>
+
+<file path=ppt/notesSlides/notesSlide2.xml><?xml version="1.0" encoding="utf-8"?>
+<p:notes xmlns:a="http://schemas.openxmlformats.org/drawingml/2006/main" xmlns:r="http://schemas.openxmlformats.org/officeDocument/2006/relationships" xmlns:p="http://schemas.openxmlformats.org/presentationml/2006/main">
+  <p:cSld>
+    <p:spTree>
+      <p:nvGrpSpPr>
+        <p:cNvPr id="1" name=""/>
+        <p:cNvGrpSpPr/>
+        <p:nvPr/>
+      </p:nvGrpSpPr>
+      <p:grpSpPr>
+        <a:xfrm>
+          <a:off x="0" y="0"/>
+          <a:ext cx="0" cy="0"/>
+          <a:chOff x="0" y="0"/>
+          <a:chExt cx="0" cy="0"/>
+        </a:xfrm>
+      </p:grpSpPr>
+      <p:sp>
+        <p:nvSpPr>
+          <p:cNvPr id="2" name="Slide Image Placeholder 1"/>
+          <p:cNvSpPr>
+            <a:spLocks noGrp="1" noRot="1" noChangeAspect="1"/>
+          </p:cNvSpPr>
+          <p:nvPr>
+            <p:ph type="sldImg"/>
+          </p:nvPr>
+        </p:nvSpPr>
+        <p:spPr/>
+      </p:sp>
+      <p:sp>
+        <p:nvSpPr>
+          <p:cNvPr id="3" name="Notes Placeholder 2"/>
+          <p:cNvSpPr>
+            <a:spLocks noGrp="1"/>
+          </p:cNvSpPr>
+          <p:nvPr>
+            <p:ph type="body" idx="1"/>
+          </p:nvPr>
+        </p:nvSpPr>
+        <p:spPr/>
+        <p:txBody>
+          <a:bodyPr/>
+          <a:lstStyle/>
+          <a:p>
+            <a:endParaRPr lang="en-US" dirty="0"/>
+          </a:p>
+        </p:txBody>
+      </p:sp>
+      <p:sp>
+        <p:nvSpPr>
+          <p:cNvPr id="4" name="Slide Number Placeholder 3"/>
+          <p:cNvSpPr>
+            <a:spLocks noGrp="1"/>
+          </p:cNvSpPr>
+          <p:nvPr>
+            <p:ph type="sldNum" sz="quarter" idx="5"/>
+          </p:nvPr>
+        </p:nvSpPr>
+        <p:spPr/>
+        <p:txBody>
+          <a:bodyPr/>
+          <a:lstStyle/>
+          <a:p>
+            <a:fld id="{FE90CCE9-4AAE-4E1F-85AD-521A406D6524}" type="slidenum">
+              <a:rPr lang="en-PH" smtClean="0"/>
+              <a:t>3</a:t>
+            </a:fld>
+            <a:endParaRPr lang="en-PH"/>
+          </a:p>
+        </p:txBody>
+      </p:sp>
+    </p:spTree>
+    <p:extLst>
+      <p:ext uri="{BB962C8B-B14F-4D97-AF65-F5344CB8AC3E}">
+        <p14:creationId xmlns:p14="http://schemas.microsoft.com/office/powerpoint/2010/main" val="342002144"/>
+      </p:ext>
+    </p:extLst>
+  </p:cSld>
+  <p:clrMapOvr>
+    <a:masterClrMapping/>
+  </p:clrMapOvr>
+</p:notes>
+</file>
+
 <file path=ppt/slideLayouts/slideLayout1.xml><?xml version="1.0" encoding="utf-8"?>
 <p:sldLayout xmlns:a="http://schemas.openxmlformats.org/drawingml/2006/main" xmlns:r="http://schemas.openxmlformats.org/officeDocument/2006/relationships" xmlns:p="http://schemas.openxmlformats.org/presentationml/2006/main" type="title" preserve="1">
   <p:cSld name="Title Slide">
@@ -630,7 +799,7 @@
           <a:p>
             <a:fld id="{0CCF0B81-6BD8-4C65-9459-815598C5F1F4}" type="datetimeFigureOut">
               <a:rPr lang="en-PH" smtClean="0"/>
-              <a:t>1/23/24</a:t>
+              <a:t>1/24/24</a:t>
             </a:fld>
             <a:endParaRPr lang="en-PH"/>
           </a:p>
@@ -830,7 +999,7 @@
           <a:p>
             <a:fld id="{0CCF0B81-6BD8-4C65-9459-815598C5F1F4}" type="datetimeFigureOut">
               <a:rPr lang="en-PH" smtClean="0"/>
-              <a:t>1/23/24</a:t>
+              <a:t>1/24/24</a:t>
             </a:fld>
             <a:endParaRPr lang="en-PH"/>
           </a:p>
@@ -1040,7 +1209,7 @@
           <a:p>
             <a:fld id="{0CCF0B81-6BD8-4C65-9459-815598C5F1F4}" type="datetimeFigureOut">
               <a:rPr lang="en-PH" smtClean="0"/>
-              <a:t>1/23/24</a:t>
+              <a:t>1/24/24</a:t>
             </a:fld>
             <a:endParaRPr lang="en-PH"/>
           </a:p>
@@ -1240,7 +1409,7 @@
           <a:p>
             <a:fld id="{0CCF0B81-6BD8-4C65-9459-815598C5F1F4}" type="datetimeFigureOut">
               <a:rPr lang="en-PH" smtClean="0"/>
-              <a:t>1/23/24</a:t>
+              <a:t>1/24/24</a:t>
             </a:fld>
             <a:endParaRPr lang="en-PH"/>
           </a:p>
@@ -1516,7 +1685,7 @@
           <a:p>
             <a:fld id="{0CCF0B81-6BD8-4C65-9459-815598C5F1F4}" type="datetimeFigureOut">
               <a:rPr lang="en-PH" smtClean="0"/>
-              <a:t>1/23/24</a:t>
+              <a:t>1/24/24</a:t>
             </a:fld>
             <a:endParaRPr lang="en-PH"/>
           </a:p>
@@ -1784,7 +1953,7 @@
           <a:p>
             <a:fld id="{0CCF0B81-6BD8-4C65-9459-815598C5F1F4}" type="datetimeFigureOut">
               <a:rPr lang="en-PH" smtClean="0"/>
-              <a:t>1/23/24</a:t>
+              <a:t>1/24/24</a:t>
             </a:fld>
             <a:endParaRPr lang="en-PH"/>
           </a:p>
@@ -2199,7 +2368,7 @@
           <a:p>
             <a:fld id="{0CCF0B81-6BD8-4C65-9459-815598C5F1F4}" type="datetimeFigureOut">
               <a:rPr lang="en-PH" smtClean="0"/>
-              <a:t>1/23/24</a:t>
+              <a:t>1/24/24</a:t>
             </a:fld>
             <a:endParaRPr lang="en-PH"/>
           </a:p>
@@ -2341,7 +2510,7 @@
           <a:p>
             <a:fld id="{0CCF0B81-6BD8-4C65-9459-815598C5F1F4}" type="datetimeFigureOut">
               <a:rPr lang="en-PH" smtClean="0"/>
-              <a:t>1/23/24</a:t>
+              <a:t>1/24/24</a:t>
             </a:fld>
             <a:endParaRPr lang="en-PH"/>
           </a:p>
@@ -2454,7 +2623,7 @@
           <a:p>
             <a:fld id="{0CCF0B81-6BD8-4C65-9459-815598C5F1F4}" type="datetimeFigureOut">
               <a:rPr lang="en-PH" smtClean="0"/>
-              <a:t>1/23/24</a:t>
+              <a:t>1/24/24</a:t>
             </a:fld>
             <a:endParaRPr lang="en-PH"/>
           </a:p>
@@ -2767,7 +2936,7 @@
           <a:p>
             <a:fld id="{0CCF0B81-6BD8-4C65-9459-815598C5F1F4}" type="datetimeFigureOut">
               <a:rPr lang="en-PH" smtClean="0"/>
-              <a:t>1/23/24</a:t>
+              <a:t>1/24/24</a:t>
             </a:fld>
             <a:endParaRPr lang="en-PH"/>
           </a:p>
@@ -3056,7 +3225,7 @@
           <a:p>
             <a:fld id="{0CCF0B81-6BD8-4C65-9459-815598C5F1F4}" type="datetimeFigureOut">
               <a:rPr lang="en-PH" smtClean="0"/>
-              <a:t>1/23/24</a:t>
+              <a:t>1/24/24</a:t>
             </a:fld>
             <a:endParaRPr lang="en-PH"/>
           </a:p>
@@ -3299,7 +3468,7 @@
           <a:p>
             <a:fld id="{0CCF0B81-6BD8-4C65-9459-815598C5F1F4}" type="datetimeFigureOut">
               <a:rPr lang="en-PH" smtClean="0"/>
-              <a:t>1/23/24</a:t>
+              <a:t>1/24/24</a:t>
             </a:fld>
             <a:endParaRPr lang="en-PH"/>
           </a:p>
@@ -3889,7 +4058,7 @@
 </p:sld>
 </file>
 
-<file path=ppt/slides/slide2.xml><?xml version="1.0" encoding="utf-8"?>
+<file path=ppt/slides/slide10.xml><?xml version="1.0" encoding="utf-8"?>
 <p:sld xmlns:a="http://schemas.openxmlformats.org/drawingml/2006/main" xmlns:r="http://schemas.openxmlformats.org/officeDocument/2006/relationships" xmlns:p="http://schemas.openxmlformats.org/presentationml/2006/main">
   <p:cSld>
     <p:bg>
@@ -3945,7 +4114,7 @@
         </p:spPr>
         <p:txBody>
           <a:bodyPr>
-            <a:normAutofit/>
+            <a:normAutofit fontScale="90000"/>
           </a:bodyPr>
           <a:lstStyle/>
           <a:p>
@@ -3953,7 +4122,7 @@
               <a:rPr lang="en-GB" sz="5400" b="1" dirty="0">
                 <a:latin typeface="Calibri Light (Headings)"/>
               </a:rPr>
-              <a:t>Introduction</a:t>
+              <a:t>Guidelines in writing Pseudocode</a:t>
             </a:r>
             <a:endParaRPr lang="en-PH" sz="5000" b="1" dirty="0">
               <a:latin typeface="Calibri Light (Headings)"/>
@@ -4031,6 +4200,248 @@
         </p:nvSpPr>
         <p:spPr>
           <a:xfrm>
+            <a:off x="464287" y="1168808"/>
+            <a:ext cx="11312845" cy="4520383"/>
+          </a:xfrm>
+        </p:spPr>
+        <p:txBody>
+          <a:bodyPr>
+            <a:noAutofit/>
+          </a:bodyPr>
+          <a:lstStyle/>
+          <a:p>
+            <a:pPr algn="l" fontAlgn="base">
+              <a:buFont typeface="+mj-lt"/>
+              <a:buAutoNum type="arabicPeriod" startAt="4"/>
+            </a:pPr>
+            <a:r>
+              <a:rPr lang="en-PH" dirty="0"/>
+              <a:t> </a:t>
+            </a:r>
+            <a:r>
+              <a:rPr lang="en-PH" b="1" dirty="0">
+                <a:solidFill>
+                  <a:srgbClr val="0070C0"/>
+                </a:solidFill>
+              </a:rPr>
+              <a:t>Use standard programming structures </a:t>
+            </a:r>
+            <a:r>
+              <a:rPr lang="en-PH" dirty="0"/>
+              <a:t>such as ‘if-then’, ‘for’, ‘while’, ‘cases’ the way we use it in programming.</a:t>
+            </a:r>
+          </a:p>
+          <a:p>
+            <a:pPr algn="l" fontAlgn="base">
+              <a:buFont typeface="+mj-lt"/>
+              <a:buAutoNum type="arabicPeriod" startAt="4"/>
+            </a:pPr>
+            <a:endParaRPr lang="en-PH" dirty="0"/>
+          </a:p>
+          <a:p>
+            <a:pPr algn="l" fontAlgn="base">
+              <a:buFont typeface="+mj-lt"/>
+              <a:buAutoNum type="arabicPeriod" startAt="5"/>
+            </a:pPr>
+            <a:r>
+              <a:rPr lang="en-PH" dirty="0"/>
+              <a:t> Check whether all the sections of a pseudo code is </a:t>
+            </a:r>
+            <a:r>
+              <a:rPr lang="en-PH" b="1" dirty="0">
+                <a:solidFill>
+                  <a:srgbClr val="0070C0"/>
+                </a:solidFill>
+              </a:rPr>
+              <a:t>complete, finite and clear to understand and comprehend.</a:t>
+            </a:r>
+          </a:p>
+          <a:p>
+            <a:pPr algn="l" fontAlgn="base">
+              <a:buFont typeface="+mj-lt"/>
+              <a:buAutoNum type="arabicPeriod" startAt="5"/>
+            </a:pPr>
+            <a:endParaRPr lang="en-PH" dirty="0"/>
+          </a:p>
+          <a:p>
+            <a:pPr algn="l" fontAlgn="base">
+              <a:buFont typeface="+mj-lt"/>
+              <a:buAutoNum type="arabicPeriod" startAt="6"/>
+            </a:pPr>
+            <a:r>
+              <a:rPr lang="en-PH" dirty="0"/>
+              <a:t> Don’t write the pseudo code in a complete programmatic manner. It is necessary to be simple to understand even for a layman or client, hence </a:t>
+            </a:r>
+            <a:r>
+              <a:rPr lang="en-PH" b="1" dirty="0">
+                <a:solidFill>
+                  <a:srgbClr val="FF0000"/>
+                </a:solidFill>
+              </a:rPr>
+              <a:t>don’t incorporate too many technical terms</a:t>
+            </a:r>
+            <a:r>
+              <a:rPr lang="en-PH" dirty="0"/>
+              <a:t>.</a:t>
+            </a:r>
+          </a:p>
+        </p:txBody>
+      </p:sp>
+    </p:spTree>
+    <p:extLst>
+      <p:ext uri="{BB962C8B-B14F-4D97-AF65-F5344CB8AC3E}">
+        <p14:creationId xmlns:p14="http://schemas.microsoft.com/office/powerpoint/2010/main" val="2138005977"/>
+      </p:ext>
+    </p:extLst>
+  </p:cSld>
+  <p:clrMapOvr>
+    <a:masterClrMapping/>
+  </p:clrMapOvr>
+</p:sld>
+</file>
+
+<file path=ppt/slides/slide2.xml><?xml version="1.0" encoding="utf-8"?>
+<p:sld xmlns:a="http://schemas.openxmlformats.org/drawingml/2006/main" xmlns:r="http://schemas.openxmlformats.org/officeDocument/2006/relationships" xmlns:p="http://schemas.openxmlformats.org/presentationml/2006/main">
+  <p:cSld>
+    <p:bg>
+      <p:bgPr>
+        <a:blipFill dpi="0" rotWithShape="1">
+          <a:blip r:embed="rId3">
+            <a:alphaModFix amt="99000"/>
+            <a:lum/>
+          </a:blip>
+          <a:srcRect/>
+          <a:stretch>
+            <a:fillRect t="89000" r="85000" b="-1000"/>
+          </a:stretch>
+        </a:blipFill>
+        <a:effectLst/>
+      </p:bgPr>
+    </p:bg>
+    <p:spTree>
+      <p:nvGrpSpPr>
+        <p:cNvPr id="1" name=""/>
+        <p:cNvGrpSpPr/>
+        <p:nvPr/>
+      </p:nvGrpSpPr>
+      <p:grpSpPr>
+        <a:xfrm>
+          <a:off x="0" y="0"/>
+          <a:ext cx="0" cy="0"/>
+          <a:chOff x="0" y="0"/>
+          <a:chExt cx="0" cy="0"/>
+        </a:xfrm>
+      </p:grpSpPr>
+      <p:sp>
+        <p:nvSpPr>
+          <p:cNvPr id="2" name="Title 1">
+            <a:extLst>
+              <a:ext uri="{FF2B5EF4-FFF2-40B4-BE49-F238E27FC236}">
+                <a16:creationId xmlns:a16="http://schemas.microsoft.com/office/drawing/2014/main" id="{6A3DCE86-C2BA-4713-9E7A-73589E8D6CCF}"/>
+              </a:ext>
+            </a:extLst>
+          </p:cNvPr>
+          <p:cNvSpPr>
+            <a:spLocks noGrp="1"/>
+          </p:cNvSpPr>
+          <p:nvPr>
+            <p:ph type="ctrTitle"/>
+          </p:nvPr>
+        </p:nvSpPr>
+        <p:spPr>
+          <a:xfrm>
+            <a:off x="1524000" y="189302"/>
+            <a:ext cx="9144000" cy="855727"/>
+          </a:xfrm>
+        </p:spPr>
+        <p:txBody>
+          <a:bodyPr>
+            <a:normAutofit/>
+          </a:bodyPr>
+          <a:lstStyle/>
+          <a:p>
+            <a:r>
+              <a:rPr lang="en-GB" sz="5400" b="1" dirty="0">
+                <a:latin typeface="Calibri Light (Headings)"/>
+              </a:rPr>
+              <a:t>Introduction</a:t>
+            </a:r>
+            <a:endParaRPr lang="en-PH" sz="5000" b="1" dirty="0">
+              <a:latin typeface="Calibri Light (Headings)"/>
+            </a:endParaRPr>
+          </a:p>
+        </p:txBody>
+      </p:sp>
+      <p:sp>
+        <p:nvSpPr>
+          <p:cNvPr id="4" name="Footer Placeholder 3">
+            <a:extLst>
+              <a:ext uri="{FF2B5EF4-FFF2-40B4-BE49-F238E27FC236}">
+                <a16:creationId xmlns:a16="http://schemas.microsoft.com/office/drawing/2014/main" id="{638E7DE1-45EE-476A-A474-0F3C264AEDA3}"/>
+              </a:ext>
+            </a:extLst>
+          </p:cNvPr>
+          <p:cNvSpPr>
+            <a:spLocks noGrp="1"/>
+          </p:cNvSpPr>
+          <p:nvPr>
+            <p:ph type="ftr" sz="quarter" idx="11"/>
+          </p:nvPr>
+        </p:nvSpPr>
+        <p:spPr>
+          <a:xfrm>
+            <a:off x="0" y="6139541"/>
+            <a:ext cx="12192000" cy="718459"/>
+          </a:xfrm>
+          <a:ln w="28575">
+            <a:solidFill>
+              <a:schemeClr val="accent5">
+                <a:lumMod val="50000"/>
+              </a:schemeClr>
+            </a:solidFill>
+          </a:ln>
+        </p:spPr>
+        <p:txBody>
+          <a:bodyPr/>
+          <a:lstStyle/>
+          <a:p>
+            <a:pPr algn="r"/>
+            <a:r>
+              <a:rPr lang="en-PH" b="1" dirty="0">
+                <a:solidFill>
+                  <a:schemeClr val="tx1"/>
+                </a:solidFill>
+                <a:latin typeface="Calibri (Body)"/>
+              </a:rPr>
+              <a:t>CCINCOML</a:t>
+            </a:r>
+            <a:r>
+              <a:rPr lang="en-PH" dirty="0">
+                <a:latin typeface="Calibri (Body)"/>
+              </a:rPr>
+              <a:t>	</a:t>
+            </a:r>
+          </a:p>
+        </p:txBody>
+      </p:sp>
+      <p:sp>
+        <p:nvSpPr>
+          <p:cNvPr id="6" name="Subtitle 5">
+            <a:extLst>
+              <a:ext uri="{FF2B5EF4-FFF2-40B4-BE49-F238E27FC236}">
+                <a16:creationId xmlns:a16="http://schemas.microsoft.com/office/drawing/2014/main" id="{E290E7FE-5B97-1120-D5B2-956302F69779}"/>
+              </a:ext>
+            </a:extLst>
+          </p:cNvPr>
+          <p:cNvSpPr>
+            <a:spLocks noGrp="1"/>
+          </p:cNvSpPr>
+          <p:nvPr>
+            <p:ph type="subTitle" idx="1"/>
+          </p:nvPr>
+        </p:nvSpPr>
+        <p:spPr>
+          <a:xfrm>
             <a:off x="464288" y="1168808"/>
             <a:ext cx="5631712" cy="4520383"/>
           </a:xfrm>
@@ -4126,7 +4537,7 @@
           <p:nvPr/>
         </p:nvPicPr>
         <p:blipFill>
-          <a:blip r:embed="rId3">
+          <a:blip r:embed="rId4">
             <a:extLst>
               <a:ext uri="{28A0092B-C50C-407E-A947-70E740481C1C}">
                 <a14:useLocalDpi xmlns:a14="http://schemas.microsoft.com/office/drawing/2010/main" val="0"/>
@@ -4173,7 +4584,7 @@
     <p:bg>
       <p:bgPr>
         <a:blipFill dpi="0" rotWithShape="1">
-          <a:blip r:embed="rId2">
+          <a:blip r:embed="rId3">
             <a:alphaModFix amt="99000"/>
             <a:lum/>
           </a:blip>
@@ -4199,188 +4610,46 @@
           <a:chExt cx="0" cy="0"/>
         </a:xfrm>
       </p:grpSpPr>
-      <p:sp>
-        <p:nvSpPr>
-          <p:cNvPr id="2" name="Title 1">
-            <a:extLst>
-              <a:ext uri="{FF2B5EF4-FFF2-40B4-BE49-F238E27FC236}">
-                <a16:creationId xmlns:a16="http://schemas.microsoft.com/office/drawing/2014/main" id="{6A3DCE86-C2BA-4713-9E7A-73589E8D6CCF}"/>
-              </a:ext>
-            </a:extLst>
-          </p:cNvPr>
-          <p:cNvSpPr>
-            <a:spLocks noGrp="1"/>
-          </p:cNvSpPr>
-          <p:nvPr>
-            <p:ph type="ctrTitle"/>
-          </p:nvPr>
-        </p:nvSpPr>
+      <p:pic>
+        <p:nvPicPr>
+          <p:cNvPr id="11" name="Picture 10" descr="A screenshot of a recipe&#10;&#10;Description automatically generated">
+            <a:extLst>
+              <a:ext uri="{FF2B5EF4-FFF2-40B4-BE49-F238E27FC236}">
+                <a16:creationId xmlns:a16="http://schemas.microsoft.com/office/drawing/2014/main" id="{41A4F061-F2F3-42E5-7EE5-404252414B6B}"/>
+              </a:ext>
+            </a:extLst>
+          </p:cNvPr>
+          <p:cNvPicPr>
+            <a:picLocks noChangeAspect="1"/>
+          </p:cNvPicPr>
+          <p:nvPr/>
+        </p:nvPicPr>
+        <p:blipFill>
+          <a:blip r:embed="rId4">
+            <a:extLst>
+              <a:ext uri="{28A0092B-C50C-407E-A947-70E740481C1C}">
+                <a14:useLocalDpi xmlns:a14="http://schemas.microsoft.com/office/drawing/2010/main" val="0"/>
+              </a:ext>
+            </a:extLst>
+          </a:blip>
+          <a:stretch>
+            <a:fillRect/>
+          </a:stretch>
+        </p:blipFill>
         <p:spPr>
           <a:xfrm>
-            <a:off x="1524000" y="189302"/>
-            <a:ext cx="9144000" cy="855727"/>
+            <a:off x="3737020" y="276446"/>
+            <a:ext cx="4717960" cy="6305107"/>
           </a:xfrm>
+          <a:prstGeom prst="rect">
+            <a:avLst/>
+          </a:prstGeom>
         </p:spPr>
-        <p:txBody>
-          <a:bodyPr>
-            <a:normAutofit/>
-          </a:bodyPr>
-          <a:lstStyle/>
-          <a:p>
-            <a:r>
-              <a:rPr lang="en-GB" sz="5400" b="1" dirty="0">
-                <a:latin typeface="Calibri Light (Headings)"/>
-              </a:rPr>
-              <a:t>What is a Pseudocode?</a:t>
-            </a:r>
-            <a:endParaRPr lang="en-PH" sz="5000" b="1" dirty="0">
-              <a:latin typeface="Calibri Light (Headings)"/>
-            </a:endParaRPr>
-          </a:p>
-        </p:txBody>
-      </p:sp>
-      <p:sp>
-        <p:nvSpPr>
-          <p:cNvPr id="4" name="Footer Placeholder 3">
-            <a:extLst>
-              <a:ext uri="{FF2B5EF4-FFF2-40B4-BE49-F238E27FC236}">
-                <a16:creationId xmlns:a16="http://schemas.microsoft.com/office/drawing/2014/main" id="{638E7DE1-45EE-476A-A474-0F3C264AEDA3}"/>
-              </a:ext>
-            </a:extLst>
-          </p:cNvPr>
-          <p:cNvSpPr>
-            <a:spLocks noGrp="1"/>
-          </p:cNvSpPr>
-          <p:nvPr>
-            <p:ph type="ftr" sz="quarter" idx="11"/>
-          </p:nvPr>
-        </p:nvSpPr>
-        <p:spPr>
-          <a:xfrm>
-            <a:off x="0" y="6139541"/>
-            <a:ext cx="12192000" cy="718459"/>
-          </a:xfrm>
-          <a:ln w="28575">
-            <a:solidFill>
-              <a:schemeClr val="accent5">
-                <a:lumMod val="50000"/>
-              </a:schemeClr>
-            </a:solidFill>
-          </a:ln>
-        </p:spPr>
-        <p:txBody>
-          <a:bodyPr/>
-          <a:lstStyle/>
-          <a:p>
-            <a:pPr algn="r"/>
-            <a:r>
-              <a:rPr lang="en-PH" b="1" dirty="0">
-                <a:solidFill>
-                  <a:schemeClr val="tx1"/>
-                </a:solidFill>
-                <a:latin typeface="Calibri (Body)"/>
-              </a:rPr>
-              <a:t>CCINCOML</a:t>
-            </a:r>
-            <a:r>
-              <a:rPr lang="en-PH" dirty="0">
-                <a:latin typeface="Calibri (Body)"/>
-              </a:rPr>
-              <a:t>	</a:t>
-            </a:r>
-          </a:p>
-        </p:txBody>
-      </p:sp>
-      <p:sp>
-        <p:nvSpPr>
-          <p:cNvPr id="6" name="Subtitle 5">
-            <a:extLst>
-              <a:ext uri="{FF2B5EF4-FFF2-40B4-BE49-F238E27FC236}">
-                <a16:creationId xmlns:a16="http://schemas.microsoft.com/office/drawing/2014/main" id="{E290E7FE-5B97-1120-D5B2-956302F69779}"/>
-              </a:ext>
-            </a:extLst>
-          </p:cNvPr>
-          <p:cNvSpPr>
-            <a:spLocks noGrp="1"/>
-          </p:cNvSpPr>
-          <p:nvPr>
-            <p:ph type="subTitle" idx="1"/>
-          </p:nvPr>
-        </p:nvSpPr>
-        <p:spPr>
-          <a:xfrm>
-            <a:off x="464288" y="1168808"/>
-            <a:ext cx="10551042" cy="4520383"/>
-          </a:xfrm>
-        </p:spPr>
-        <p:txBody>
-          <a:bodyPr>
-            <a:noAutofit/>
-          </a:bodyPr>
-          <a:lstStyle/>
-          <a:p>
-            <a:pPr algn="l"/>
-            <a:r>
-              <a:rPr lang="en-PH" dirty="0"/>
-              <a:t>Pseudocode is a way of </a:t>
-            </a:r>
-            <a:r>
-              <a:rPr lang="en-PH" b="1" dirty="0">
-                <a:solidFill>
-                  <a:srgbClr val="0070C0"/>
-                </a:solidFill>
-              </a:rPr>
-              <a:t>expressing an algorithm without conforming to specific syntax rules. </a:t>
-            </a:r>
-          </a:p>
-          <a:p>
-            <a:pPr algn="l"/>
-            <a:endParaRPr lang="en-PH" b="1" dirty="0">
-              <a:solidFill>
-                <a:srgbClr val="00B0F0"/>
-              </a:solidFill>
-            </a:endParaRPr>
-          </a:p>
-          <a:p>
-            <a:pPr algn="l"/>
-            <a:r>
-              <a:rPr lang="en-PH" dirty="0"/>
-              <a:t>By learning to read and write pseudocode, </a:t>
-            </a:r>
-            <a:r>
-              <a:rPr lang="en-PH" b="1" dirty="0">
-                <a:solidFill>
-                  <a:srgbClr val="0070C0"/>
-                </a:solidFill>
-              </a:rPr>
-              <a:t>you can easily communicate ideas and concepts to other programmers, even though they may be using completely different languages. </a:t>
-            </a:r>
-          </a:p>
-          <a:p>
-            <a:pPr algn="l"/>
-            <a:endParaRPr lang="en-PH" dirty="0"/>
-          </a:p>
-          <a:p>
-            <a:pPr algn="l"/>
-            <a:r>
-              <a:rPr lang="en-PH" b="1" dirty="0">
-                <a:solidFill>
-                  <a:srgbClr val="0070C0"/>
-                </a:solidFill>
-              </a:rPr>
-              <a:t>There is no such thing as correct pseudocode</a:t>
-            </a:r>
-            <a:r>
-              <a:rPr lang="en-PH" dirty="0"/>
-              <a:t>, although there are a few generally accepted notations that are widely understood by programmers. </a:t>
-            </a:r>
-          </a:p>
-        </p:txBody>
-      </p:sp>
+      </p:pic>
     </p:spTree>
     <p:extLst>
       <p:ext uri="{BB962C8B-B14F-4D97-AF65-F5344CB8AC3E}">
-        <p14:creationId xmlns:p14="http://schemas.microsoft.com/office/powerpoint/2010/main" val="3787254006"/>
+        <p14:creationId xmlns:p14="http://schemas.microsoft.com/office/powerpoint/2010/main" val="1069850857"/>
       </p:ext>
     </p:extLst>
   </p:cSld>
@@ -4424,6 +4693,46 @@
       </p:grpSpPr>
       <p:sp>
         <p:nvSpPr>
+          <p:cNvPr id="2" name="Title 1">
+            <a:extLst>
+              <a:ext uri="{FF2B5EF4-FFF2-40B4-BE49-F238E27FC236}">
+                <a16:creationId xmlns:a16="http://schemas.microsoft.com/office/drawing/2014/main" id="{6A3DCE86-C2BA-4713-9E7A-73589E8D6CCF}"/>
+              </a:ext>
+            </a:extLst>
+          </p:cNvPr>
+          <p:cNvSpPr>
+            <a:spLocks noGrp="1"/>
+          </p:cNvSpPr>
+          <p:nvPr>
+            <p:ph type="ctrTitle"/>
+          </p:nvPr>
+        </p:nvSpPr>
+        <p:spPr>
+          <a:xfrm>
+            <a:off x="1524000" y="189302"/>
+            <a:ext cx="9144000" cy="855727"/>
+          </a:xfrm>
+        </p:spPr>
+        <p:txBody>
+          <a:bodyPr>
+            <a:normAutofit/>
+          </a:bodyPr>
+          <a:lstStyle/>
+          <a:p>
+            <a:r>
+              <a:rPr lang="en-GB" sz="5400" b="1" dirty="0">
+                <a:latin typeface="Calibri Light (Headings)"/>
+              </a:rPr>
+              <a:t>What is a Pseudocode?</a:t>
+            </a:r>
+            <a:endParaRPr lang="en-PH" sz="5000" b="1" dirty="0">
+              <a:latin typeface="Calibri Light (Headings)"/>
+            </a:endParaRPr>
+          </a:p>
+        </p:txBody>
+      </p:sp>
+      <p:sp>
+        <p:nvSpPr>
           <p:cNvPr id="4" name="Footer Placeholder 3">
             <a:extLst>
               <a:ext uri="{FF2B5EF4-FFF2-40B4-BE49-F238E27FC236}">
@@ -4474,86 +4783,96 @@
           </a:p>
         </p:txBody>
       </p:sp>
-      <p:pic>
-        <p:nvPicPr>
-          <p:cNvPr id="18" name="Picture 17" descr="A computer screen shot of a black screen&#10;&#10;Description automatically generated">
-            <a:extLst>
-              <a:ext uri="{FF2B5EF4-FFF2-40B4-BE49-F238E27FC236}">
-                <a16:creationId xmlns:a16="http://schemas.microsoft.com/office/drawing/2014/main" id="{1211AB29-012B-13D2-3066-CB4D12DBBB54}"/>
-              </a:ext>
-            </a:extLst>
-          </p:cNvPr>
-          <p:cNvPicPr>
-            <a:picLocks noChangeAspect="1"/>
-          </p:cNvPicPr>
-          <p:nvPr/>
-        </p:nvPicPr>
-        <p:blipFill>
-          <a:blip r:embed="rId3">
-            <a:extLst>
-              <a:ext uri="{28A0092B-C50C-407E-A947-70E740481C1C}">
-                <a14:useLocalDpi xmlns:a14="http://schemas.microsoft.com/office/drawing/2010/main" val="0"/>
-              </a:ext>
-            </a:extLst>
-          </a:blip>
-          <a:stretch>
-            <a:fillRect/>
-          </a:stretch>
-        </p:blipFill>
+      <p:sp>
+        <p:nvSpPr>
+          <p:cNvPr id="6" name="Subtitle 5">
+            <a:extLst>
+              <a:ext uri="{FF2B5EF4-FFF2-40B4-BE49-F238E27FC236}">
+                <a16:creationId xmlns:a16="http://schemas.microsoft.com/office/drawing/2014/main" id="{E290E7FE-5B97-1120-D5B2-956302F69779}"/>
+              </a:ext>
+            </a:extLst>
+          </p:cNvPr>
+          <p:cNvSpPr>
+            <a:spLocks noGrp="1"/>
+          </p:cNvSpPr>
+          <p:nvPr>
+            <p:ph type="subTitle" idx="1"/>
+          </p:nvPr>
+        </p:nvSpPr>
         <p:spPr>
           <a:xfrm>
-            <a:off x="1136740" y="1382232"/>
-            <a:ext cx="9918519" cy="4534975"/>
-          </a:xfrm>
-          <a:prstGeom prst="rect">
-            <a:avLst/>
-          </a:prstGeom>
-        </p:spPr>
-      </p:pic>
-      <p:sp>
-        <p:nvSpPr>
-          <p:cNvPr id="19" name="Title 1">
-            <a:extLst>
-              <a:ext uri="{FF2B5EF4-FFF2-40B4-BE49-F238E27FC236}">
-                <a16:creationId xmlns:a16="http://schemas.microsoft.com/office/drawing/2014/main" id="{2488E4FD-B9FD-6DA6-B838-97A87192FEFD}"/>
-              </a:ext>
-            </a:extLst>
-          </p:cNvPr>
-          <p:cNvSpPr>
-            <a:spLocks noGrp="1"/>
-          </p:cNvSpPr>
-          <p:nvPr>
-            <p:ph type="ctrTitle"/>
-          </p:nvPr>
-        </p:nvSpPr>
-        <p:spPr>
-          <a:xfrm>
-            <a:off x="1136741" y="304171"/>
-            <a:ext cx="9918518" cy="855727"/>
+            <a:off x="464288" y="1168808"/>
+            <a:ext cx="10551042" cy="4520383"/>
           </a:xfrm>
         </p:spPr>
         <p:txBody>
           <a:bodyPr>
-            <a:normAutofit fontScale="90000"/>
+            <a:noAutofit/>
           </a:bodyPr>
           <a:lstStyle/>
           <a:p>
-            <a:r>
-              <a:rPr lang="en-GB" sz="5400" b="1" dirty="0">
-                <a:latin typeface="Calibri Light (Headings)"/>
+            <a:pPr algn="l"/>
+            <a:r>
+              <a:rPr lang="en-PH" dirty="0"/>
+              <a:t>Pseudocode is a way of </a:t>
+            </a:r>
+            <a:r>
+              <a:rPr lang="en-PH" b="1" dirty="0">
+                <a:solidFill>
+                  <a:srgbClr val="0070C0"/>
+                </a:solidFill>
               </a:rPr>
-              <a:t>Converting Java Code to Pseudocode</a:t>
-            </a:r>
-            <a:endParaRPr lang="en-PH" sz="5000" b="1" dirty="0">
-              <a:latin typeface="Calibri Light (Headings)"/>
+              <a:t>expressing an algorithm without conforming to specific syntax rules. </a:t>
+            </a:r>
+          </a:p>
+          <a:p>
+            <a:pPr algn="l"/>
+            <a:endParaRPr lang="en-PH" b="1" dirty="0">
+              <a:solidFill>
+                <a:srgbClr val="00B0F0"/>
+              </a:solidFill>
             </a:endParaRPr>
+          </a:p>
+          <a:p>
+            <a:pPr algn="l"/>
+            <a:r>
+              <a:rPr lang="en-PH" dirty="0"/>
+              <a:t>By learning to read and write pseudocode, </a:t>
+            </a:r>
+            <a:r>
+              <a:rPr lang="en-PH" b="1" dirty="0">
+                <a:solidFill>
+                  <a:srgbClr val="0070C0"/>
+                </a:solidFill>
+              </a:rPr>
+              <a:t>you can easily communicate ideas and concepts to other programmers, even though they may be using completely different languages. </a:t>
+            </a:r>
+          </a:p>
+          <a:p>
+            <a:pPr algn="l"/>
+            <a:endParaRPr lang="en-PH" dirty="0"/>
+          </a:p>
+          <a:p>
+            <a:pPr algn="l"/>
+            <a:r>
+              <a:rPr lang="en-PH" b="1" dirty="0">
+                <a:solidFill>
+                  <a:srgbClr val="0070C0"/>
+                </a:solidFill>
+              </a:rPr>
+              <a:t>There is no such thing as correct pseudocode</a:t>
+            </a:r>
+            <a:r>
+              <a:rPr lang="en-PH" dirty="0"/>
+              <a:t>, although there are a few generally accepted notations that are widely understood by programmers. </a:t>
+            </a:r>
           </a:p>
         </p:txBody>
       </p:sp>
     </p:spTree>
     <p:extLst>
       <p:ext uri="{BB962C8B-B14F-4D97-AF65-F5344CB8AC3E}">
-        <p14:creationId xmlns:p14="http://schemas.microsoft.com/office/powerpoint/2010/main" val="59043333"/>
+        <p14:creationId xmlns:p14="http://schemas.microsoft.com/office/powerpoint/2010/main" val="3787254006"/>
       </p:ext>
     </p:extLst>
   </p:cSld>
@@ -4597,116 +4916,62 @@
       </p:grpSpPr>
       <p:sp>
         <p:nvSpPr>
-          <p:cNvPr id="3" name="TextBox 2">
-            <a:extLst>
-              <a:ext uri="{FF2B5EF4-FFF2-40B4-BE49-F238E27FC236}">
-                <a16:creationId xmlns:a16="http://schemas.microsoft.com/office/drawing/2014/main" id="{FAEEEE7A-0C30-7D30-58A6-781088887EE4}"/>
-              </a:ext>
-            </a:extLst>
-          </p:cNvPr>
-          <p:cNvSpPr txBox="1"/>
-          <p:nvPr/>
+          <p:cNvPr id="4" name="Footer Placeholder 3">
+            <a:extLst>
+              <a:ext uri="{FF2B5EF4-FFF2-40B4-BE49-F238E27FC236}">
+                <a16:creationId xmlns:a16="http://schemas.microsoft.com/office/drawing/2014/main" id="{638E7DE1-45EE-476A-A474-0F3C264AEDA3}"/>
+              </a:ext>
+            </a:extLst>
+          </p:cNvPr>
+          <p:cNvSpPr>
+            <a:spLocks noGrp="1"/>
+          </p:cNvSpPr>
+          <p:nvPr>
+            <p:ph type="ftr" sz="quarter" idx="11"/>
+          </p:nvPr>
         </p:nvSpPr>
         <p:spPr>
           <a:xfrm>
-            <a:off x="3426342" y="3959538"/>
-            <a:ext cx="5774366" cy="2585323"/>
+            <a:off x="0" y="6139541"/>
+            <a:ext cx="12192000" cy="718459"/>
           </a:xfrm>
-          <a:prstGeom prst="rect">
-            <a:avLst/>
-          </a:prstGeom>
-          <a:noFill/>
+          <a:ln w="28575">
+            <a:solidFill>
+              <a:schemeClr val="accent5">
+                <a:lumMod val="50000"/>
+              </a:schemeClr>
+            </a:solidFill>
+          </a:ln>
         </p:spPr>
         <p:txBody>
-          <a:bodyPr wrap="square">
-            <a:spAutoFit/>
-          </a:bodyPr>
-          <a:lstStyle/>
-          <a:p>
-            <a:r>
-              <a:rPr lang="en-PH" b="1" dirty="0"/>
-              <a:t>Pseudocode:</a:t>
-            </a:r>
-          </a:p>
-          <a:p>
-            <a:endParaRPr lang="en-PH" b="1" dirty="0"/>
-          </a:p>
-          <a:p>
-            <a:r>
-              <a:rPr lang="en-PH" dirty="0" err="1"/>
-              <a:t>myAge</a:t>
-            </a:r>
-            <a:r>
-              <a:rPr lang="en-PH" dirty="0"/>
-              <a:t> &lt;-- 18 </a:t>
-            </a:r>
-          </a:p>
-          <a:p>
-            <a:endParaRPr lang="en-PH" dirty="0"/>
-          </a:p>
-          <a:p>
-            <a:r>
-              <a:rPr lang="en-PH" b="1" dirty="0"/>
-              <a:t>IF</a:t>
-            </a:r>
-            <a:r>
-              <a:rPr lang="en-PH" dirty="0"/>
-              <a:t> </a:t>
-            </a:r>
-            <a:r>
-              <a:rPr lang="en-PH" dirty="0" err="1"/>
-              <a:t>myAge</a:t>
-            </a:r>
-            <a:r>
-              <a:rPr lang="en-PH" dirty="0"/>
-              <a:t> is greater than or equal to 18 </a:t>
-            </a:r>
-            <a:r>
-              <a:rPr lang="en-PH" b="1" dirty="0"/>
-              <a:t>THEN</a:t>
-            </a:r>
-          </a:p>
-          <a:p>
-            <a:r>
-              <a:rPr lang="en-PH" b="1" dirty="0"/>
-              <a:t>OUTPUT</a:t>
-            </a:r>
-            <a:r>
-              <a:rPr lang="en-PH" dirty="0"/>
-              <a:t> ”I am allowed to drink alcohol and party all night!”</a:t>
-            </a:r>
-          </a:p>
-          <a:p>
-            <a:endParaRPr lang="en-PH" dirty="0"/>
-          </a:p>
-          <a:p>
-            <a:r>
-              <a:rPr lang="en-PH" b="1" dirty="0"/>
-              <a:t>ELSE</a:t>
-            </a:r>
-            <a:r>
-              <a:rPr lang="en-PH" dirty="0"/>
-              <a:t> </a:t>
-            </a:r>
-          </a:p>
-          <a:p>
-            <a:r>
-              <a:rPr lang="en-PH" b="1" dirty="0"/>
-              <a:t>OUTPUT</a:t>
-            </a:r>
-            <a:r>
-              <a:rPr lang="en-PH" dirty="0"/>
-              <a:t> ” Adults only!”</a:t>
+          <a:bodyPr/>
+          <a:lstStyle/>
+          <a:p>
+            <a:pPr algn="r"/>
+            <a:r>
+              <a:rPr lang="en-PH" b="1" dirty="0">
+                <a:solidFill>
+                  <a:schemeClr val="tx1"/>
+                </a:solidFill>
+                <a:latin typeface="Calibri (Body)"/>
+              </a:rPr>
+              <a:t>CCINCOML</a:t>
+            </a:r>
+            <a:r>
+              <a:rPr lang="en-PH" dirty="0">
+                <a:latin typeface="Calibri (Body)"/>
+              </a:rPr>
+              <a:t>	</a:t>
             </a:r>
           </a:p>
         </p:txBody>
       </p:sp>
       <p:pic>
         <p:nvPicPr>
-          <p:cNvPr id="6" name="Picture 5" descr="A computer screen shot of a black screen&#10;&#10;Description automatically generated">
-            <a:extLst>
-              <a:ext uri="{FF2B5EF4-FFF2-40B4-BE49-F238E27FC236}">
-                <a16:creationId xmlns:a16="http://schemas.microsoft.com/office/drawing/2014/main" id="{1AB6FF62-6A15-2DA9-64C9-A2C4366B0579}"/>
+          <p:cNvPr id="18" name="Picture 17" descr="A computer screen shot of a black screen&#10;&#10;Description automatically generated">
+            <a:extLst>
+              <a:ext uri="{FF2B5EF4-FFF2-40B4-BE49-F238E27FC236}">
+                <a16:creationId xmlns:a16="http://schemas.microsoft.com/office/drawing/2014/main" id="{1211AB29-012B-13D2-3066-CB4D12DBBB54}"/>
               </a:ext>
             </a:extLst>
           </p:cNvPr>
@@ -4729,18 +4994,58 @@
         </p:blipFill>
         <p:spPr>
           <a:xfrm>
-            <a:off x="2343790" y="180753"/>
-            <a:ext cx="7939470" cy="3630108"/>
+            <a:off x="1136740" y="1382232"/>
+            <a:ext cx="9918519" cy="4534975"/>
           </a:xfrm>
           <a:prstGeom prst="rect">
             <a:avLst/>
           </a:prstGeom>
         </p:spPr>
       </p:pic>
+      <p:sp>
+        <p:nvSpPr>
+          <p:cNvPr id="19" name="Title 1">
+            <a:extLst>
+              <a:ext uri="{FF2B5EF4-FFF2-40B4-BE49-F238E27FC236}">
+                <a16:creationId xmlns:a16="http://schemas.microsoft.com/office/drawing/2014/main" id="{2488E4FD-B9FD-6DA6-B838-97A87192FEFD}"/>
+              </a:ext>
+            </a:extLst>
+          </p:cNvPr>
+          <p:cNvSpPr>
+            <a:spLocks noGrp="1"/>
+          </p:cNvSpPr>
+          <p:nvPr>
+            <p:ph type="ctrTitle"/>
+          </p:nvPr>
+        </p:nvSpPr>
+        <p:spPr>
+          <a:xfrm>
+            <a:off x="1136741" y="304171"/>
+            <a:ext cx="9918518" cy="855727"/>
+          </a:xfrm>
+        </p:spPr>
+        <p:txBody>
+          <a:bodyPr>
+            <a:normAutofit fontScale="90000"/>
+          </a:bodyPr>
+          <a:lstStyle/>
+          <a:p>
+            <a:r>
+              <a:rPr lang="en-GB" sz="5400" b="1" dirty="0">
+                <a:latin typeface="Calibri Light (Headings)"/>
+              </a:rPr>
+              <a:t>Converting Java Code to Pseudocode</a:t>
+            </a:r>
+            <a:endParaRPr lang="en-PH" sz="5000" b="1" dirty="0">
+              <a:latin typeface="Calibri Light (Headings)"/>
+            </a:endParaRPr>
+          </a:p>
+        </p:txBody>
+      </p:sp>
     </p:spTree>
     <p:extLst>
       <p:ext uri="{BB962C8B-B14F-4D97-AF65-F5344CB8AC3E}">
-        <p14:creationId xmlns:p14="http://schemas.microsoft.com/office/powerpoint/2010/main" val="4008534348"/>
+        <p14:creationId xmlns:p14="http://schemas.microsoft.com/office/powerpoint/2010/main" val="59043333"/>
       </p:ext>
     </p:extLst>
   </p:cSld>
@@ -4784,62 +5089,116 @@
       </p:grpSpPr>
       <p:sp>
         <p:nvSpPr>
-          <p:cNvPr id="4" name="Footer Placeholder 3">
-            <a:extLst>
-              <a:ext uri="{FF2B5EF4-FFF2-40B4-BE49-F238E27FC236}">
-                <a16:creationId xmlns:a16="http://schemas.microsoft.com/office/drawing/2014/main" id="{638E7DE1-45EE-476A-A474-0F3C264AEDA3}"/>
-              </a:ext>
-            </a:extLst>
-          </p:cNvPr>
-          <p:cNvSpPr>
-            <a:spLocks noGrp="1"/>
-          </p:cNvSpPr>
-          <p:nvPr>
-            <p:ph type="ftr" sz="quarter" idx="11"/>
-          </p:nvPr>
+          <p:cNvPr id="3" name="TextBox 2">
+            <a:extLst>
+              <a:ext uri="{FF2B5EF4-FFF2-40B4-BE49-F238E27FC236}">
+                <a16:creationId xmlns:a16="http://schemas.microsoft.com/office/drawing/2014/main" id="{FAEEEE7A-0C30-7D30-58A6-781088887EE4}"/>
+              </a:ext>
+            </a:extLst>
+          </p:cNvPr>
+          <p:cNvSpPr txBox="1"/>
+          <p:nvPr/>
         </p:nvSpPr>
         <p:spPr>
           <a:xfrm>
-            <a:off x="0" y="6139541"/>
-            <a:ext cx="12192000" cy="718459"/>
+            <a:off x="3426342" y="3959538"/>
+            <a:ext cx="5774366" cy="2585323"/>
           </a:xfrm>
-          <a:ln w="28575">
-            <a:solidFill>
-              <a:schemeClr val="accent5">
-                <a:lumMod val="50000"/>
-              </a:schemeClr>
-            </a:solidFill>
-          </a:ln>
+          <a:prstGeom prst="rect">
+            <a:avLst/>
+          </a:prstGeom>
+          <a:noFill/>
         </p:spPr>
         <p:txBody>
-          <a:bodyPr/>
-          <a:lstStyle/>
-          <a:p>
-            <a:pPr algn="r"/>
-            <a:r>
-              <a:rPr lang="en-PH" b="1" dirty="0">
-                <a:solidFill>
-                  <a:schemeClr val="tx1"/>
-                </a:solidFill>
-                <a:latin typeface="Calibri (Body)"/>
-              </a:rPr>
-              <a:t>CCINCOML</a:t>
-            </a:r>
-            <a:r>
-              <a:rPr lang="en-PH" dirty="0">
-                <a:latin typeface="Calibri (Body)"/>
-              </a:rPr>
-              <a:t>	</a:t>
+          <a:bodyPr wrap="square">
+            <a:spAutoFit/>
+          </a:bodyPr>
+          <a:lstStyle/>
+          <a:p>
+            <a:r>
+              <a:rPr lang="en-PH" b="1" dirty="0"/>
+              <a:t>Pseudocode:</a:t>
+            </a:r>
+          </a:p>
+          <a:p>
+            <a:endParaRPr lang="en-PH" b="1" dirty="0"/>
+          </a:p>
+          <a:p>
+            <a:r>
+              <a:rPr lang="en-PH" dirty="0" err="1"/>
+              <a:t>myAge</a:t>
+            </a:r>
+            <a:r>
+              <a:rPr lang="en-PH" dirty="0"/>
+              <a:t> &lt;-- 18 </a:t>
+            </a:r>
+          </a:p>
+          <a:p>
+            <a:endParaRPr lang="en-PH" dirty="0"/>
+          </a:p>
+          <a:p>
+            <a:r>
+              <a:rPr lang="en-PH" b="1" dirty="0"/>
+              <a:t>IF</a:t>
+            </a:r>
+            <a:r>
+              <a:rPr lang="en-PH" dirty="0"/>
+              <a:t> </a:t>
+            </a:r>
+            <a:r>
+              <a:rPr lang="en-PH" dirty="0" err="1"/>
+              <a:t>myAge</a:t>
+            </a:r>
+            <a:r>
+              <a:rPr lang="en-PH" dirty="0"/>
+              <a:t> is greater than or equal to 18 </a:t>
+            </a:r>
+            <a:r>
+              <a:rPr lang="en-PH" b="1" dirty="0"/>
+              <a:t>THEN</a:t>
+            </a:r>
+          </a:p>
+          <a:p>
+            <a:r>
+              <a:rPr lang="en-PH" b="1" dirty="0"/>
+              <a:t>OUTPUT</a:t>
+            </a:r>
+            <a:r>
+              <a:rPr lang="en-PH" dirty="0"/>
+              <a:t> ”I am allowed to drink alcohol and party all night!”</a:t>
+            </a:r>
+          </a:p>
+          <a:p>
+            <a:endParaRPr lang="en-PH" dirty="0"/>
+          </a:p>
+          <a:p>
+            <a:r>
+              <a:rPr lang="en-PH" b="1" dirty="0"/>
+              <a:t>ELSE</a:t>
+            </a:r>
+            <a:r>
+              <a:rPr lang="en-PH" dirty="0"/>
+              <a:t> </a:t>
+            </a:r>
+          </a:p>
+          <a:p>
+            <a:r>
+              <a:rPr lang="en-PH" b="1" dirty="0"/>
+              <a:t>OUTPUT</a:t>
+            </a:r>
+            <a:r>
+              <a:rPr lang="en-PH" dirty="0"/>
+              <a:t> ” Adults only!”</a:t>
             </a:r>
           </a:p>
         </p:txBody>
       </p:sp>
       <p:pic>
         <p:nvPicPr>
-          <p:cNvPr id="6" name="Picture 5" descr="A screenshot of a computer program&#10;&#10;Description automatically generated">
-            <a:extLst>
-              <a:ext uri="{FF2B5EF4-FFF2-40B4-BE49-F238E27FC236}">
-                <a16:creationId xmlns:a16="http://schemas.microsoft.com/office/drawing/2014/main" id="{FE0B1426-72DF-6B7C-E8B9-CD7C5408902F}"/>
+          <p:cNvPr id="6" name="Picture 5" descr="A computer screen shot of a black screen&#10;&#10;Description automatically generated">
+            <a:extLst>
+              <a:ext uri="{FF2B5EF4-FFF2-40B4-BE49-F238E27FC236}">
+                <a16:creationId xmlns:a16="http://schemas.microsoft.com/office/drawing/2014/main" id="{1AB6FF62-6A15-2DA9-64C9-A2C4366B0579}"/>
               </a:ext>
             </a:extLst>
           </p:cNvPr>
@@ -4862,8 +5221,8 @@
         </p:blipFill>
         <p:spPr>
           <a:xfrm>
-            <a:off x="1582303" y="317302"/>
-            <a:ext cx="9027394" cy="5473897"/>
+            <a:off x="2343790" y="180753"/>
+            <a:ext cx="7939470" cy="3630108"/>
           </a:xfrm>
           <a:prstGeom prst="rect">
             <a:avLst/>
@@ -4873,7 +5232,7 @@
     </p:spTree>
     <p:extLst>
       <p:ext uri="{BB962C8B-B14F-4D97-AF65-F5344CB8AC3E}">
-        <p14:creationId xmlns:p14="http://schemas.microsoft.com/office/powerpoint/2010/main" val="3149081755"/>
+        <p14:creationId xmlns:p14="http://schemas.microsoft.com/office/powerpoint/2010/main" val="4008534348"/>
       </p:ext>
     </p:extLst>
   </p:cSld>
@@ -4917,138 +5276,62 @@
       </p:grpSpPr>
       <p:sp>
         <p:nvSpPr>
-          <p:cNvPr id="3" name="TextBox 2">
-            <a:extLst>
-              <a:ext uri="{FF2B5EF4-FFF2-40B4-BE49-F238E27FC236}">
-                <a16:creationId xmlns:a16="http://schemas.microsoft.com/office/drawing/2014/main" id="{FAEEEE7A-0C30-7D30-58A6-781088887EE4}"/>
-              </a:ext>
-            </a:extLst>
-          </p:cNvPr>
-          <p:cNvSpPr txBox="1"/>
-          <p:nvPr/>
+          <p:cNvPr id="4" name="Footer Placeholder 3">
+            <a:extLst>
+              <a:ext uri="{FF2B5EF4-FFF2-40B4-BE49-F238E27FC236}">
+                <a16:creationId xmlns:a16="http://schemas.microsoft.com/office/drawing/2014/main" id="{638E7DE1-45EE-476A-A474-0F3C264AEDA3}"/>
+              </a:ext>
+            </a:extLst>
+          </p:cNvPr>
+          <p:cNvSpPr>
+            <a:spLocks noGrp="1"/>
+          </p:cNvSpPr>
+          <p:nvPr>
+            <p:ph type="ftr" sz="quarter" idx="11"/>
+          </p:nvPr>
         </p:nvSpPr>
         <p:spPr>
           <a:xfrm>
-            <a:off x="3976872" y="4211905"/>
-            <a:ext cx="4673305" cy="2308324"/>
+            <a:off x="0" y="6139541"/>
+            <a:ext cx="12192000" cy="718459"/>
           </a:xfrm>
-          <a:prstGeom prst="rect">
-            <a:avLst/>
-          </a:prstGeom>
-          <a:noFill/>
+          <a:ln w="28575">
+            <a:solidFill>
+              <a:schemeClr val="accent5">
+                <a:lumMod val="50000"/>
+              </a:schemeClr>
+            </a:solidFill>
+          </a:ln>
         </p:spPr>
         <p:txBody>
-          <a:bodyPr wrap="square">
-            <a:spAutoFit/>
-          </a:bodyPr>
-          <a:lstStyle/>
-          <a:p>
-            <a:r>
-              <a:rPr lang="en-PH" b="1" dirty="0"/>
-              <a:t>Pseudocode:</a:t>
-            </a:r>
-          </a:p>
-          <a:p>
-            <a:endParaRPr lang="en-PH" b="1" dirty="0"/>
-          </a:p>
-          <a:p>
-            <a:r>
-              <a:rPr lang="en-PH" b="1" dirty="0"/>
-              <a:t>FOR</a:t>
-            </a:r>
-            <a:r>
-              <a:rPr lang="en-PH" dirty="0"/>
-              <a:t> x &lt;-- 1 </a:t>
-            </a:r>
-            <a:r>
-              <a:rPr lang="en-PH" b="1" dirty="0"/>
-              <a:t>TO</a:t>
-            </a:r>
-            <a:r>
-              <a:rPr lang="en-PH" dirty="0"/>
-              <a:t> 10 </a:t>
-            </a:r>
-            <a:r>
-              <a:rPr lang="en-PH" b="1" dirty="0"/>
-              <a:t>DO</a:t>
-            </a:r>
-            <a:r>
-              <a:rPr lang="en-PH" dirty="0"/>
-              <a:t> </a:t>
-            </a:r>
-          </a:p>
-          <a:p>
-            <a:pPr lvl="1"/>
-            <a:r>
-              <a:rPr lang="en-PH" b="1" dirty="0"/>
-              <a:t>IF</a:t>
-            </a:r>
-            <a:r>
-              <a:rPr lang="en-PH" dirty="0"/>
-              <a:t> x is equal to 5 </a:t>
-            </a:r>
-            <a:r>
-              <a:rPr lang="en-PH" b="1" dirty="0"/>
-              <a:t>THEN</a:t>
-            </a:r>
-            <a:r>
-              <a:rPr lang="en-PH" dirty="0"/>
-              <a:t> </a:t>
-            </a:r>
-          </a:p>
-          <a:p>
-            <a:pPr lvl="1"/>
-            <a:r>
-              <a:rPr lang="en-PH" b="1" dirty="0"/>
-              <a:t>OUTPUT</a:t>
-            </a:r>
-            <a:r>
-              <a:rPr lang="en-PH" dirty="0"/>
-              <a:t> ”My favorite number is 5" </a:t>
-            </a:r>
-          </a:p>
-          <a:p>
-            <a:pPr lvl="1"/>
-            <a:endParaRPr lang="en-PH" dirty="0"/>
-          </a:p>
-          <a:p>
-            <a:pPr lvl="1"/>
-            <a:r>
-              <a:rPr lang="en-PH" b="1" dirty="0"/>
-              <a:t>ELSE IF </a:t>
-            </a:r>
-            <a:r>
-              <a:rPr lang="en-PH" dirty="0"/>
-              <a:t>x is equal to 8 </a:t>
-            </a:r>
-            <a:r>
-              <a:rPr lang="en-PH" b="1" dirty="0"/>
-              <a:t>THEN</a:t>
-            </a:r>
-            <a:r>
-              <a:rPr lang="en-PH" dirty="0"/>
-              <a:t> </a:t>
-            </a:r>
-          </a:p>
-          <a:p>
-            <a:pPr lvl="1"/>
-            <a:r>
-              <a:rPr lang="en-PH" b="1" dirty="0"/>
-              <a:t>OUTPUT</a:t>
-            </a:r>
-            <a:r>
-              <a:rPr lang="en-PH" dirty="0"/>
-              <a:t> ”My second favorite number is 8" </a:t>
+          <a:bodyPr/>
+          <a:lstStyle/>
+          <a:p>
+            <a:pPr algn="r"/>
+            <a:r>
+              <a:rPr lang="en-PH" b="1" dirty="0">
+                <a:solidFill>
+                  <a:schemeClr val="tx1"/>
+                </a:solidFill>
+                <a:latin typeface="Calibri (Body)"/>
+              </a:rPr>
+              <a:t>CCINCOML</a:t>
+            </a:r>
+            <a:r>
+              <a:rPr lang="en-PH" dirty="0">
+                <a:latin typeface="Calibri (Body)"/>
+              </a:rPr>
+              <a:t>	</a:t>
             </a:r>
           </a:p>
         </p:txBody>
       </p:sp>
       <p:pic>
         <p:nvPicPr>
-          <p:cNvPr id="2" name="Picture 1" descr="A screenshot of a computer program&#10;&#10;Description automatically generated">
-            <a:extLst>
-              <a:ext uri="{FF2B5EF4-FFF2-40B4-BE49-F238E27FC236}">
-                <a16:creationId xmlns:a16="http://schemas.microsoft.com/office/drawing/2014/main" id="{3ACC593C-12CF-DE51-575F-24965AB288D4}"/>
+          <p:cNvPr id="6" name="Picture 5" descr="A screenshot of a computer program&#10;&#10;Description automatically generated">
+            <a:extLst>
+              <a:ext uri="{FF2B5EF4-FFF2-40B4-BE49-F238E27FC236}">
+                <a16:creationId xmlns:a16="http://schemas.microsoft.com/office/drawing/2014/main" id="{FE0B1426-72DF-6B7C-E8B9-CD7C5408902F}"/>
               </a:ext>
             </a:extLst>
           </p:cNvPr>
@@ -5071,8 +5354,8 @@
         </p:blipFill>
         <p:spPr>
           <a:xfrm>
-            <a:off x="3138044" y="170661"/>
-            <a:ext cx="6350962" cy="3851002"/>
+            <a:off x="1582303" y="317302"/>
+            <a:ext cx="9027394" cy="5473897"/>
           </a:xfrm>
           <a:prstGeom prst="rect">
             <a:avLst/>
@@ -5082,7 +5365,7 @@
     </p:spTree>
     <p:extLst>
       <p:ext uri="{BB962C8B-B14F-4D97-AF65-F5344CB8AC3E}">
-        <p14:creationId xmlns:p14="http://schemas.microsoft.com/office/powerpoint/2010/main" val="569833315"/>
+        <p14:creationId xmlns:p14="http://schemas.microsoft.com/office/powerpoint/2010/main" val="3149081755"/>
       </p:ext>
     </p:extLst>
   </p:cSld>
@@ -5126,257 +5409,172 @@
       </p:grpSpPr>
       <p:sp>
         <p:nvSpPr>
-          <p:cNvPr id="2" name="Title 1">
-            <a:extLst>
-              <a:ext uri="{FF2B5EF4-FFF2-40B4-BE49-F238E27FC236}">
-                <a16:creationId xmlns:a16="http://schemas.microsoft.com/office/drawing/2014/main" id="{6A3DCE86-C2BA-4713-9E7A-73589E8D6CCF}"/>
-              </a:ext>
-            </a:extLst>
-          </p:cNvPr>
-          <p:cNvSpPr>
-            <a:spLocks noGrp="1"/>
-          </p:cNvSpPr>
-          <p:nvPr>
-            <p:ph type="ctrTitle"/>
-          </p:nvPr>
+          <p:cNvPr id="3" name="TextBox 2">
+            <a:extLst>
+              <a:ext uri="{FF2B5EF4-FFF2-40B4-BE49-F238E27FC236}">
+                <a16:creationId xmlns:a16="http://schemas.microsoft.com/office/drawing/2014/main" id="{FAEEEE7A-0C30-7D30-58A6-781088887EE4}"/>
+              </a:ext>
+            </a:extLst>
+          </p:cNvPr>
+          <p:cNvSpPr txBox="1"/>
+          <p:nvPr/>
         </p:nvSpPr>
         <p:spPr>
           <a:xfrm>
-            <a:off x="1524000" y="189302"/>
-            <a:ext cx="9144000" cy="855727"/>
+            <a:off x="3976872" y="4211905"/>
+            <a:ext cx="4673305" cy="2308324"/>
           </a:xfrm>
+          <a:prstGeom prst="rect">
+            <a:avLst/>
+          </a:prstGeom>
+          <a:noFill/>
         </p:spPr>
         <p:txBody>
-          <a:bodyPr>
-            <a:normAutofit fontScale="90000"/>
+          <a:bodyPr wrap="square">
+            <a:spAutoFit/>
           </a:bodyPr>
           <a:lstStyle/>
           <a:p>
             <a:r>
-              <a:rPr lang="en-GB" sz="5400" b="1" dirty="0">
-                <a:latin typeface="Calibri Light (Headings)"/>
-              </a:rPr>
-              <a:t>Guidelines in writing Pseudocode</a:t>
-            </a:r>
-            <a:endParaRPr lang="en-PH" sz="5000" b="1" dirty="0">
-              <a:latin typeface="Calibri Light (Headings)"/>
-            </a:endParaRPr>
-          </a:p>
-        </p:txBody>
-      </p:sp>
-      <p:sp>
-        <p:nvSpPr>
-          <p:cNvPr id="4" name="Footer Placeholder 3">
-            <a:extLst>
-              <a:ext uri="{FF2B5EF4-FFF2-40B4-BE49-F238E27FC236}">
-                <a16:creationId xmlns:a16="http://schemas.microsoft.com/office/drawing/2014/main" id="{638E7DE1-45EE-476A-A474-0F3C264AEDA3}"/>
-              </a:ext>
-            </a:extLst>
-          </p:cNvPr>
-          <p:cNvSpPr>
-            <a:spLocks noGrp="1"/>
-          </p:cNvSpPr>
-          <p:nvPr>
-            <p:ph type="ftr" sz="quarter" idx="11"/>
-          </p:nvPr>
-        </p:nvSpPr>
+              <a:rPr lang="en-PH" b="1" dirty="0"/>
+              <a:t>Pseudocode:</a:t>
+            </a:r>
+          </a:p>
+          <a:p>
+            <a:endParaRPr lang="en-PH" b="1" dirty="0"/>
+          </a:p>
+          <a:p>
+            <a:r>
+              <a:rPr lang="en-PH" b="1" dirty="0"/>
+              <a:t>FOR</a:t>
+            </a:r>
+            <a:r>
+              <a:rPr lang="en-PH" dirty="0"/>
+              <a:t> x &lt;-- 1 </a:t>
+            </a:r>
+            <a:r>
+              <a:rPr lang="en-PH" b="1" dirty="0"/>
+              <a:t>TO</a:t>
+            </a:r>
+            <a:r>
+              <a:rPr lang="en-PH" dirty="0"/>
+              <a:t> 10 </a:t>
+            </a:r>
+            <a:r>
+              <a:rPr lang="en-PH" b="1" dirty="0"/>
+              <a:t>DO</a:t>
+            </a:r>
+            <a:r>
+              <a:rPr lang="en-PH" dirty="0"/>
+              <a:t> </a:t>
+            </a:r>
+          </a:p>
+          <a:p>
+            <a:pPr lvl="1"/>
+            <a:r>
+              <a:rPr lang="en-PH" b="1" dirty="0"/>
+              <a:t>IF</a:t>
+            </a:r>
+            <a:r>
+              <a:rPr lang="en-PH" dirty="0"/>
+              <a:t> x is equal to 5 </a:t>
+            </a:r>
+            <a:r>
+              <a:rPr lang="en-PH" b="1" dirty="0"/>
+              <a:t>THEN</a:t>
+            </a:r>
+            <a:r>
+              <a:rPr lang="en-PH" dirty="0"/>
+              <a:t> </a:t>
+            </a:r>
+          </a:p>
+          <a:p>
+            <a:pPr lvl="1"/>
+            <a:r>
+              <a:rPr lang="en-PH" b="1" dirty="0"/>
+              <a:t>OUTPUT</a:t>
+            </a:r>
+            <a:r>
+              <a:rPr lang="en-PH" dirty="0"/>
+              <a:t> ”My favorite number is 5" </a:t>
+            </a:r>
+          </a:p>
+          <a:p>
+            <a:pPr lvl="1"/>
+            <a:endParaRPr lang="en-PH" dirty="0"/>
+          </a:p>
+          <a:p>
+            <a:pPr lvl="1"/>
+            <a:r>
+              <a:rPr lang="en-PH" b="1" dirty="0"/>
+              <a:t>ELSE IF </a:t>
+            </a:r>
+            <a:r>
+              <a:rPr lang="en-PH" dirty="0"/>
+              <a:t>x is equal to 8 </a:t>
+            </a:r>
+            <a:r>
+              <a:rPr lang="en-PH" b="1" dirty="0"/>
+              <a:t>THEN</a:t>
+            </a:r>
+            <a:r>
+              <a:rPr lang="en-PH" dirty="0"/>
+              <a:t> </a:t>
+            </a:r>
+          </a:p>
+          <a:p>
+            <a:pPr lvl="1"/>
+            <a:r>
+              <a:rPr lang="en-PH" b="1" dirty="0"/>
+              <a:t>OUTPUT</a:t>
+            </a:r>
+            <a:r>
+              <a:rPr lang="en-PH" dirty="0"/>
+              <a:t> ”My second favorite number is 8" </a:t>
+            </a:r>
+          </a:p>
+        </p:txBody>
+      </p:sp>
+      <p:pic>
+        <p:nvPicPr>
+          <p:cNvPr id="2" name="Picture 1" descr="A screenshot of a computer program&#10;&#10;Description automatically generated">
+            <a:extLst>
+              <a:ext uri="{FF2B5EF4-FFF2-40B4-BE49-F238E27FC236}">
+                <a16:creationId xmlns:a16="http://schemas.microsoft.com/office/drawing/2014/main" id="{3ACC593C-12CF-DE51-575F-24965AB288D4}"/>
+              </a:ext>
+            </a:extLst>
+          </p:cNvPr>
+          <p:cNvPicPr>
+            <a:picLocks noChangeAspect="1"/>
+          </p:cNvPicPr>
+          <p:nvPr/>
+        </p:nvPicPr>
+        <p:blipFill>
+          <a:blip r:embed="rId3">
+            <a:extLst>
+              <a:ext uri="{28A0092B-C50C-407E-A947-70E740481C1C}">
+                <a14:useLocalDpi xmlns:a14="http://schemas.microsoft.com/office/drawing/2010/main" val="0"/>
+              </a:ext>
+            </a:extLst>
+          </a:blip>
+          <a:stretch>
+            <a:fillRect/>
+          </a:stretch>
+        </p:blipFill>
         <p:spPr>
           <a:xfrm>
-            <a:off x="0" y="6139541"/>
-            <a:ext cx="12192000" cy="718459"/>
+            <a:off x="3138044" y="170661"/>
+            <a:ext cx="6350962" cy="3851002"/>
           </a:xfrm>
-          <a:ln w="28575">
-            <a:solidFill>
-              <a:schemeClr val="accent5">
-                <a:lumMod val="50000"/>
-              </a:schemeClr>
-            </a:solidFill>
-          </a:ln>
+          <a:prstGeom prst="rect">
+            <a:avLst/>
+          </a:prstGeom>
         </p:spPr>
-        <p:txBody>
-          <a:bodyPr/>
-          <a:lstStyle/>
-          <a:p>
-            <a:pPr algn="r"/>
-            <a:r>
-              <a:rPr lang="en-PH" b="1" dirty="0">
-                <a:solidFill>
-                  <a:schemeClr val="tx1"/>
-                </a:solidFill>
-                <a:latin typeface="Calibri (Body)"/>
-              </a:rPr>
-              <a:t>CCINCOML</a:t>
-            </a:r>
-            <a:r>
-              <a:rPr lang="en-PH" dirty="0">
-                <a:latin typeface="Calibri (Body)"/>
-              </a:rPr>
-              <a:t>	</a:t>
-            </a:r>
-          </a:p>
-        </p:txBody>
-      </p:sp>
-      <p:sp>
-        <p:nvSpPr>
-          <p:cNvPr id="6" name="Subtitle 5">
-            <a:extLst>
-              <a:ext uri="{FF2B5EF4-FFF2-40B4-BE49-F238E27FC236}">
-                <a16:creationId xmlns:a16="http://schemas.microsoft.com/office/drawing/2014/main" id="{E290E7FE-5B97-1120-D5B2-956302F69779}"/>
-              </a:ext>
-            </a:extLst>
-          </p:cNvPr>
-          <p:cNvSpPr>
-            <a:spLocks noGrp="1"/>
-          </p:cNvSpPr>
-          <p:nvPr>
-            <p:ph type="subTitle" idx="1"/>
-          </p:nvPr>
-        </p:nvSpPr>
-        <p:spPr>
-          <a:xfrm>
-            <a:off x="464288" y="1168808"/>
-            <a:ext cx="11270512" cy="4520383"/>
-          </a:xfrm>
-        </p:spPr>
-        <p:txBody>
-          <a:bodyPr>
-            <a:noAutofit/>
-          </a:bodyPr>
-          <a:lstStyle/>
-          <a:p>
-            <a:pPr algn="l" fontAlgn="base">
-              <a:buFont typeface="+mj-lt"/>
-              <a:buAutoNum type="arabicPeriod"/>
-            </a:pPr>
-            <a:r>
-              <a:rPr lang="en-PH" dirty="0"/>
-              <a:t> </a:t>
-            </a:r>
-            <a:r>
-              <a:rPr lang="en-PH" b="1" dirty="0">
-                <a:solidFill>
-                  <a:srgbClr val="0070C0"/>
-                </a:solidFill>
-              </a:rPr>
-              <a:t>Use appropriate naming conventions</a:t>
-            </a:r>
-            <a:r>
-              <a:rPr lang="en-PH" dirty="0"/>
-              <a:t>. The human tendency follows the approach to follow what we see. If a programmer goes through a pseudo code, his approach will be the same as per it, so the naming must be simple and distinct.</a:t>
-            </a:r>
-          </a:p>
-          <a:p>
-            <a:pPr algn="l" fontAlgn="base">
-              <a:buFont typeface="+mj-lt"/>
-              <a:buAutoNum type="arabicPeriod"/>
-            </a:pPr>
-            <a:endParaRPr lang="en-PH" dirty="0"/>
-          </a:p>
-          <a:p>
-            <a:pPr algn="l" fontAlgn="base">
-              <a:buFont typeface="+mj-lt"/>
-              <a:buAutoNum type="arabicPeriod" startAt="2"/>
-            </a:pPr>
-            <a:r>
-              <a:rPr lang="en-PH" dirty="0"/>
-              <a:t> Use </a:t>
-            </a:r>
-            <a:r>
-              <a:rPr lang="en-PH" b="1" dirty="0">
-                <a:solidFill>
-                  <a:srgbClr val="0070C0"/>
-                </a:solidFill>
-              </a:rPr>
-              <a:t>appropriate sentence casings</a:t>
-            </a:r>
-            <a:r>
-              <a:rPr lang="en-PH" dirty="0"/>
-              <a:t>, such as </a:t>
-            </a:r>
-            <a:r>
-              <a:rPr lang="en-PH" b="1" dirty="0">
-                <a:solidFill>
-                  <a:srgbClr val="0070C0"/>
-                </a:solidFill>
-              </a:rPr>
-              <a:t>CamelCase for methods</a:t>
-            </a:r>
-            <a:r>
-              <a:rPr lang="en-PH" dirty="0"/>
-              <a:t>, </a:t>
-            </a:r>
-            <a:r>
-              <a:rPr lang="en-PH" b="1" dirty="0">
-                <a:solidFill>
-                  <a:srgbClr val="0070C0"/>
-                </a:solidFill>
-              </a:rPr>
-              <a:t>upper case for constants</a:t>
-            </a:r>
-            <a:r>
-              <a:rPr lang="en-PH" dirty="0"/>
-              <a:t> and </a:t>
-            </a:r>
-            <a:r>
-              <a:rPr lang="en-PH" b="1" dirty="0">
-                <a:solidFill>
-                  <a:srgbClr val="0070C0"/>
-                </a:solidFill>
-              </a:rPr>
-              <a:t>lower case for variables</a:t>
-            </a:r>
-            <a:r>
-              <a:rPr lang="en-PH" dirty="0"/>
-              <a:t>.</a:t>
-            </a:r>
-          </a:p>
-          <a:p>
-            <a:pPr algn="l" fontAlgn="base">
-              <a:buFont typeface="+mj-lt"/>
-              <a:buAutoNum type="arabicPeriod" startAt="2"/>
-            </a:pPr>
-            <a:endParaRPr lang="en-PH" dirty="0"/>
-          </a:p>
-          <a:p>
-            <a:pPr algn="l" fontAlgn="base">
-              <a:buFont typeface="+mj-lt"/>
-              <a:buAutoNum type="arabicPeriod" startAt="3"/>
-            </a:pPr>
-            <a:r>
-              <a:rPr lang="en-PH" dirty="0"/>
-              <a:t> </a:t>
-            </a:r>
-            <a:r>
-              <a:rPr lang="en-PH" b="1" dirty="0">
-                <a:solidFill>
-                  <a:srgbClr val="0070C0"/>
-                </a:solidFill>
-              </a:rPr>
-              <a:t>Elaborate</a:t>
-            </a:r>
-            <a:r>
-              <a:rPr lang="en-PH" dirty="0"/>
-              <a:t> everything which is going to happen in the actual code. </a:t>
-            </a:r>
-            <a:r>
-              <a:rPr lang="en-PH" b="1" dirty="0">
-                <a:solidFill>
-                  <a:srgbClr val="FF0000"/>
-                </a:solidFill>
-              </a:rPr>
-              <a:t>Don’t make the pseudo code abstract</a:t>
-            </a:r>
-            <a:r>
-              <a:rPr lang="en-PH" dirty="0"/>
-              <a:t>.</a:t>
-            </a:r>
-          </a:p>
-        </p:txBody>
-      </p:sp>
+      </p:pic>
     </p:spTree>
     <p:extLst>
       <p:ext uri="{BB962C8B-B14F-4D97-AF65-F5344CB8AC3E}">
-        <p14:creationId xmlns:p14="http://schemas.microsoft.com/office/powerpoint/2010/main" val="387689109"/>
+        <p14:creationId xmlns:p14="http://schemas.microsoft.com/office/powerpoint/2010/main" val="569833315"/>
       </p:ext>
     </p:extLst>
   </p:cSld>
@@ -5528,8 +5726,8 @@
         </p:nvSpPr>
         <p:spPr>
           <a:xfrm>
-            <a:off x="464287" y="1168808"/>
-            <a:ext cx="11312845" cy="4520383"/>
+            <a:off x="464288" y="1168808"/>
+            <a:ext cx="11270512" cy="4520383"/>
           </a:xfrm>
         </p:spPr>
         <p:txBody>
@@ -5540,7 +5738,7 @@
           <a:p>
             <a:pPr algn="l" fontAlgn="base">
               <a:buFont typeface="+mj-lt"/>
-              <a:buAutoNum type="arabicPeriod" startAt="4"/>
+              <a:buAutoNum type="arabicPeriod"/>
             </a:pPr>
             <a:r>
               <a:rPr lang="en-PH" dirty="0"/>
@@ -5552,28 +5750,28 @@
                   <a:srgbClr val="0070C0"/>
                 </a:solidFill>
               </a:rPr>
-              <a:t>Use standard programming structures </a:t>
+              <a:t>Use appropriate naming conventions</a:t>
             </a:r>
             <a:r>
               <a:rPr lang="en-PH" dirty="0"/>
-              <a:t>such as ‘if-then’, ‘for’, ‘while’, ‘cases’ the way we use it in programming.</a:t>
+              <a:t>. The human tendency follows the approach to follow what we see. If a programmer goes through a pseudo code, his approach will be the same as per it, so the naming must be simple and distinct.</a:t>
             </a:r>
           </a:p>
           <a:p>
             <a:pPr algn="l" fontAlgn="base">
               <a:buFont typeface="+mj-lt"/>
-              <a:buAutoNum type="arabicPeriod" startAt="4"/>
+              <a:buAutoNum type="arabicPeriod"/>
             </a:pPr>
             <a:endParaRPr lang="en-PH" dirty="0"/>
           </a:p>
           <a:p>
             <a:pPr algn="l" fontAlgn="base">
               <a:buFont typeface="+mj-lt"/>
-              <a:buAutoNum type="arabicPeriod" startAt="5"/>
+              <a:buAutoNum type="arabicPeriod" startAt="2"/>
             </a:pPr>
             <a:r>
               <a:rPr lang="en-PH" dirty="0"/>
-              <a:t> Check whether all the sections of a pseudo code is </a:t>
+              <a:t> Use </a:t>
             </a:r>
             <a:r>
               <a:rPr lang="en-PH" b="1" dirty="0">
@@ -5581,24 +5779,76 @@
                   <a:srgbClr val="0070C0"/>
                 </a:solidFill>
               </a:rPr>
-              <a:t>complete, finite and clear to understand and comprehend.</a:t>
+              <a:t>appropriate sentence casings</a:t>
+            </a:r>
+            <a:r>
+              <a:rPr lang="en-PH" dirty="0"/>
+              <a:t>, such as </a:t>
+            </a:r>
+            <a:r>
+              <a:rPr lang="en-PH" b="1" dirty="0">
+                <a:solidFill>
+                  <a:srgbClr val="0070C0"/>
+                </a:solidFill>
+              </a:rPr>
+              <a:t>CamelCase for methods</a:t>
+            </a:r>
+            <a:r>
+              <a:rPr lang="en-PH" dirty="0"/>
+              <a:t>, </a:t>
+            </a:r>
+            <a:r>
+              <a:rPr lang="en-PH" b="1" dirty="0">
+                <a:solidFill>
+                  <a:srgbClr val="0070C0"/>
+                </a:solidFill>
+              </a:rPr>
+              <a:t>upper case for constants</a:t>
+            </a:r>
+            <a:r>
+              <a:rPr lang="en-PH" dirty="0"/>
+              <a:t> and </a:t>
+            </a:r>
+            <a:r>
+              <a:rPr lang="en-PH" b="1" dirty="0">
+                <a:solidFill>
+                  <a:srgbClr val="0070C0"/>
+                </a:solidFill>
+              </a:rPr>
+              <a:t>lower case for variables</a:t>
+            </a:r>
+            <a:r>
+              <a:rPr lang="en-PH" dirty="0"/>
+              <a:t>.</a:t>
             </a:r>
           </a:p>
           <a:p>
             <a:pPr algn="l" fontAlgn="base">
               <a:buFont typeface="+mj-lt"/>
-              <a:buAutoNum type="arabicPeriod" startAt="5"/>
+              <a:buAutoNum type="arabicPeriod" startAt="2"/>
             </a:pPr>
             <a:endParaRPr lang="en-PH" dirty="0"/>
           </a:p>
           <a:p>
             <a:pPr algn="l" fontAlgn="base">
               <a:buFont typeface="+mj-lt"/>
-              <a:buAutoNum type="arabicPeriod" startAt="6"/>
+              <a:buAutoNum type="arabicPeriod" startAt="3"/>
             </a:pPr>
             <a:r>
               <a:rPr lang="en-PH" dirty="0"/>
-              <a:t> Don’t write the pseudo code in a complete programmatic manner. It is necessary to be simple to understand even for a layman or client, hence </a:t>
+              <a:t> </a:t>
+            </a:r>
+            <a:r>
+              <a:rPr lang="en-PH" b="1" dirty="0">
+                <a:solidFill>
+                  <a:srgbClr val="0070C0"/>
+                </a:solidFill>
+              </a:rPr>
+              <a:t>Elaborate</a:t>
+            </a:r>
+            <a:r>
+              <a:rPr lang="en-PH" dirty="0"/>
+              <a:t> everything which is going to happen in the actual code. </a:t>
             </a:r>
             <a:r>
               <a:rPr lang="en-PH" b="1" dirty="0">
@@ -5606,7 +5856,7 @@
                   <a:srgbClr val="FF0000"/>
                 </a:solidFill>
               </a:rPr>
-              <a:t>don’t incorporate too many technical terms</a:t>
+              <a:t>Don’t make the pseudo code abstract</a:t>
             </a:r>
             <a:r>
               <a:rPr lang="en-PH" dirty="0"/>
@@ -5618,7 +5868,7 @@
     </p:spTree>
     <p:extLst>
       <p:ext uri="{BB962C8B-B14F-4D97-AF65-F5344CB8AC3E}">
-        <p14:creationId xmlns:p14="http://schemas.microsoft.com/office/powerpoint/2010/main" val="2138005977"/>
+        <p14:creationId xmlns:p14="http://schemas.microsoft.com/office/powerpoint/2010/main" val="387689109"/>
       </p:ext>
     </p:extLst>
   </p:cSld>

--- a/Part 3 - Logic Development/Pseudocode.pptx
+++ b/Part 3 - Logic Development/Pseudocode.pptx
@@ -5,7 +5,7 @@
     <p:sldMasterId id="2147483648" r:id="rId1"/>
   </p:sldMasterIdLst>
   <p:notesMasterIdLst>
-    <p:notesMasterId r:id="rId12"/>
+    <p:notesMasterId r:id="rId13"/>
   </p:notesMasterIdLst>
   <p:sldIdLst>
     <p:sldId id="257" r:id="rId2"/>
@@ -17,7 +17,8 @@
     <p:sldId id="264" r:id="rId8"/>
     <p:sldId id="265" r:id="rId9"/>
     <p:sldId id="267" r:id="rId10"/>
-    <p:sldId id="266" r:id="rId11"/>
+    <p:sldId id="269" r:id="rId11"/>
+    <p:sldId id="266" r:id="rId12"/>
   </p:sldIdLst>
   <p:sldSz cx="12192000" cy="6858000"/>
   <p:notesSz cx="6858000" cy="9144000"/>
@@ -4200,6 +4201,300 @@
         </p:nvSpPr>
         <p:spPr>
           <a:xfrm>
+            <a:off x="464288" y="1168808"/>
+            <a:ext cx="11270512" cy="4520383"/>
+          </a:xfrm>
+        </p:spPr>
+        <p:txBody>
+          <a:bodyPr>
+            <a:noAutofit/>
+          </a:bodyPr>
+          <a:lstStyle/>
+          <a:p>
+            <a:pPr algn="l" fontAlgn="base">
+              <a:buFont typeface="+mj-lt"/>
+              <a:buAutoNum type="arabicPeriod"/>
+            </a:pPr>
+            <a:r>
+              <a:rPr lang="en-PH" dirty="0"/>
+              <a:t> </a:t>
+            </a:r>
+            <a:r>
+              <a:rPr lang="en-PH" b="1" dirty="0">
+                <a:solidFill>
+                  <a:srgbClr val="0070C0"/>
+                </a:solidFill>
+              </a:rPr>
+              <a:t>Use appropriate naming conventions</a:t>
+            </a:r>
+            <a:r>
+              <a:rPr lang="en-PH" dirty="0"/>
+              <a:t>. The human tendency follows the approach to follow what we see. If a programmer goes through a pseudo code, his approach will be the same as per it, so the naming must be simple and distinct.</a:t>
+            </a:r>
+          </a:p>
+          <a:p>
+            <a:pPr algn="l" fontAlgn="base">
+              <a:buFont typeface="+mj-lt"/>
+              <a:buAutoNum type="arabicPeriod"/>
+            </a:pPr>
+            <a:endParaRPr lang="en-PH" dirty="0"/>
+          </a:p>
+          <a:p>
+            <a:pPr algn="l" fontAlgn="base">
+              <a:buFont typeface="+mj-lt"/>
+              <a:buAutoNum type="arabicPeriod" startAt="2"/>
+            </a:pPr>
+            <a:r>
+              <a:rPr lang="en-PH" dirty="0"/>
+              <a:t> Use </a:t>
+            </a:r>
+            <a:r>
+              <a:rPr lang="en-PH" b="1" dirty="0">
+                <a:solidFill>
+                  <a:srgbClr val="0070C0"/>
+                </a:solidFill>
+              </a:rPr>
+              <a:t>appropriate sentence casings</a:t>
+            </a:r>
+            <a:r>
+              <a:rPr lang="en-PH" dirty="0"/>
+              <a:t>, such as </a:t>
+            </a:r>
+            <a:r>
+              <a:rPr lang="en-PH" b="1" dirty="0">
+                <a:solidFill>
+                  <a:srgbClr val="0070C0"/>
+                </a:solidFill>
+              </a:rPr>
+              <a:t>CamelCase for methods</a:t>
+            </a:r>
+            <a:r>
+              <a:rPr lang="en-PH" dirty="0"/>
+              <a:t>, </a:t>
+            </a:r>
+            <a:r>
+              <a:rPr lang="en-PH" b="1" dirty="0">
+                <a:solidFill>
+                  <a:srgbClr val="0070C0"/>
+                </a:solidFill>
+              </a:rPr>
+              <a:t>upper case for constants</a:t>
+            </a:r>
+            <a:r>
+              <a:rPr lang="en-PH" dirty="0"/>
+              <a:t> and </a:t>
+            </a:r>
+            <a:r>
+              <a:rPr lang="en-PH" b="1" dirty="0">
+                <a:solidFill>
+                  <a:srgbClr val="0070C0"/>
+                </a:solidFill>
+              </a:rPr>
+              <a:t>lower case for variables</a:t>
+            </a:r>
+            <a:r>
+              <a:rPr lang="en-PH" dirty="0"/>
+              <a:t>.</a:t>
+            </a:r>
+          </a:p>
+          <a:p>
+            <a:pPr algn="l" fontAlgn="base">
+              <a:buFont typeface="+mj-lt"/>
+              <a:buAutoNum type="arabicPeriod" startAt="2"/>
+            </a:pPr>
+            <a:endParaRPr lang="en-PH" dirty="0"/>
+          </a:p>
+          <a:p>
+            <a:pPr algn="l" fontAlgn="base">
+              <a:buFont typeface="+mj-lt"/>
+              <a:buAutoNum type="arabicPeriod" startAt="3"/>
+            </a:pPr>
+            <a:r>
+              <a:rPr lang="en-PH" dirty="0"/>
+              <a:t> </a:t>
+            </a:r>
+            <a:r>
+              <a:rPr lang="en-PH" b="1" dirty="0">
+                <a:solidFill>
+                  <a:srgbClr val="0070C0"/>
+                </a:solidFill>
+              </a:rPr>
+              <a:t>Elaborate</a:t>
+            </a:r>
+            <a:r>
+              <a:rPr lang="en-PH" dirty="0"/>
+              <a:t> everything which is going to happen in the actual code. </a:t>
+            </a:r>
+            <a:r>
+              <a:rPr lang="en-PH" b="1" dirty="0">
+                <a:solidFill>
+                  <a:srgbClr val="FF0000"/>
+                </a:solidFill>
+              </a:rPr>
+              <a:t>Don’t make the pseudo code abstract</a:t>
+            </a:r>
+            <a:r>
+              <a:rPr lang="en-PH" dirty="0"/>
+              <a:t>.</a:t>
+            </a:r>
+          </a:p>
+        </p:txBody>
+      </p:sp>
+    </p:spTree>
+    <p:extLst>
+      <p:ext uri="{BB962C8B-B14F-4D97-AF65-F5344CB8AC3E}">
+        <p14:creationId xmlns:p14="http://schemas.microsoft.com/office/powerpoint/2010/main" val="2390211620"/>
+      </p:ext>
+    </p:extLst>
+  </p:cSld>
+  <p:clrMapOvr>
+    <a:masterClrMapping/>
+  </p:clrMapOvr>
+</p:sld>
+</file>
+
+<file path=ppt/slides/slide11.xml><?xml version="1.0" encoding="utf-8"?>
+<p:sld xmlns:a="http://schemas.openxmlformats.org/drawingml/2006/main" xmlns:r="http://schemas.openxmlformats.org/officeDocument/2006/relationships" xmlns:p="http://schemas.openxmlformats.org/presentationml/2006/main">
+  <p:cSld>
+    <p:bg>
+      <p:bgPr>
+        <a:blipFill dpi="0" rotWithShape="1">
+          <a:blip r:embed="rId2">
+            <a:alphaModFix amt="99000"/>
+            <a:lum/>
+          </a:blip>
+          <a:srcRect/>
+          <a:stretch>
+            <a:fillRect t="89000" r="85000" b="-1000"/>
+          </a:stretch>
+        </a:blipFill>
+        <a:effectLst/>
+      </p:bgPr>
+    </p:bg>
+    <p:spTree>
+      <p:nvGrpSpPr>
+        <p:cNvPr id="1" name=""/>
+        <p:cNvGrpSpPr/>
+        <p:nvPr/>
+      </p:nvGrpSpPr>
+      <p:grpSpPr>
+        <a:xfrm>
+          <a:off x="0" y="0"/>
+          <a:ext cx="0" cy="0"/>
+          <a:chOff x="0" y="0"/>
+          <a:chExt cx="0" cy="0"/>
+        </a:xfrm>
+      </p:grpSpPr>
+      <p:sp>
+        <p:nvSpPr>
+          <p:cNvPr id="2" name="Title 1">
+            <a:extLst>
+              <a:ext uri="{FF2B5EF4-FFF2-40B4-BE49-F238E27FC236}">
+                <a16:creationId xmlns:a16="http://schemas.microsoft.com/office/drawing/2014/main" id="{6A3DCE86-C2BA-4713-9E7A-73589E8D6CCF}"/>
+              </a:ext>
+            </a:extLst>
+          </p:cNvPr>
+          <p:cNvSpPr>
+            <a:spLocks noGrp="1"/>
+          </p:cNvSpPr>
+          <p:nvPr>
+            <p:ph type="ctrTitle"/>
+          </p:nvPr>
+        </p:nvSpPr>
+        <p:spPr>
+          <a:xfrm>
+            <a:off x="1524000" y="189302"/>
+            <a:ext cx="9144000" cy="855727"/>
+          </a:xfrm>
+        </p:spPr>
+        <p:txBody>
+          <a:bodyPr>
+            <a:normAutofit fontScale="90000"/>
+          </a:bodyPr>
+          <a:lstStyle/>
+          <a:p>
+            <a:r>
+              <a:rPr lang="en-GB" sz="5400" b="1" dirty="0">
+                <a:latin typeface="Calibri Light (Headings)"/>
+              </a:rPr>
+              <a:t>Guidelines in writing Pseudocode</a:t>
+            </a:r>
+            <a:endParaRPr lang="en-PH" sz="5000" b="1" dirty="0">
+              <a:latin typeface="Calibri Light (Headings)"/>
+            </a:endParaRPr>
+          </a:p>
+        </p:txBody>
+      </p:sp>
+      <p:sp>
+        <p:nvSpPr>
+          <p:cNvPr id="4" name="Footer Placeholder 3">
+            <a:extLst>
+              <a:ext uri="{FF2B5EF4-FFF2-40B4-BE49-F238E27FC236}">
+                <a16:creationId xmlns:a16="http://schemas.microsoft.com/office/drawing/2014/main" id="{638E7DE1-45EE-476A-A474-0F3C264AEDA3}"/>
+              </a:ext>
+            </a:extLst>
+          </p:cNvPr>
+          <p:cNvSpPr>
+            <a:spLocks noGrp="1"/>
+          </p:cNvSpPr>
+          <p:nvPr>
+            <p:ph type="ftr" sz="quarter" idx="11"/>
+          </p:nvPr>
+        </p:nvSpPr>
+        <p:spPr>
+          <a:xfrm>
+            <a:off x="0" y="6139541"/>
+            <a:ext cx="12192000" cy="718459"/>
+          </a:xfrm>
+          <a:ln w="28575">
+            <a:solidFill>
+              <a:schemeClr val="accent5">
+                <a:lumMod val="50000"/>
+              </a:schemeClr>
+            </a:solidFill>
+          </a:ln>
+        </p:spPr>
+        <p:txBody>
+          <a:bodyPr/>
+          <a:lstStyle/>
+          <a:p>
+            <a:pPr algn="r"/>
+            <a:r>
+              <a:rPr lang="en-PH" b="1" dirty="0">
+                <a:solidFill>
+                  <a:schemeClr val="tx1"/>
+                </a:solidFill>
+                <a:latin typeface="Calibri (Body)"/>
+              </a:rPr>
+              <a:t>CCINCOML</a:t>
+            </a:r>
+            <a:r>
+              <a:rPr lang="en-PH" dirty="0">
+                <a:latin typeface="Calibri (Body)"/>
+              </a:rPr>
+              <a:t>	</a:t>
+            </a:r>
+          </a:p>
+        </p:txBody>
+      </p:sp>
+      <p:sp>
+        <p:nvSpPr>
+          <p:cNvPr id="6" name="Subtitle 5">
+            <a:extLst>
+              <a:ext uri="{FF2B5EF4-FFF2-40B4-BE49-F238E27FC236}">
+                <a16:creationId xmlns:a16="http://schemas.microsoft.com/office/drawing/2014/main" id="{E290E7FE-5B97-1120-D5B2-956302F69779}"/>
+              </a:ext>
+            </a:extLst>
+          </p:cNvPr>
+          <p:cNvSpPr>
+            <a:spLocks noGrp="1"/>
+          </p:cNvSpPr>
+          <p:nvPr>
+            <p:ph type="subTitle" idx="1"/>
+          </p:nvPr>
+        </p:nvSpPr>
+        <p:spPr>
+          <a:xfrm>
             <a:off x="464287" y="1168808"/>
             <a:ext cx="11312845" cy="4520383"/>
           </a:xfrm>
@@ -5640,7 +5935,7 @@
         </p:spPr>
         <p:txBody>
           <a:bodyPr>
-            <a:normAutofit fontScale="90000"/>
+            <a:normAutofit/>
           </a:bodyPr>
           <a:lstStyle/>
           <a:p>
@@ -5648,7 +5943,7 @@
               <a:rPr lang="en-GB" sz="5400" b="1" dirty="0">
                 <a:latin typeface="Calibri Light (Headings)"/>
               </a:rPr>
-              <a:t>Guidelines in writing Pseudocode</a:t>
+              <a:t>How to write a pseudocode</a:t>
             </a:r>
             <a:endParaRPr lang="en-PH" sz="5000" b="1" dirty="0">
               <a:latin typeface="Calibri Light (Headings)"/>
@@ -5750,11 +6045,11 @@
                   <a:srgbClr val="0070C0"/>
                 </a:solidFill>
               </a:rPr>
-              <a:t>Use appropriate naming conventions</a:t>
+              <a:t>Understand the problem</a:t>
             </a:r>
             <a:r>
               <a:rPr lang="en-PH" dirty="0"/>
-              <a:t>. The human tendency follows the approach to follow what we see. If a programmer goes through a pseudo code, his approach will be the same as per it, so the naming must be simple and distinct.</a:t>
+              <a:t>.</a:t>
             </a:r>
           </a:p>
           <a:p>
@@ -5771,7 +6066,24 @@
             </a:pPr>
             <a:r>
               <a:rPr lang="en-PH" dirty="0"/>
-              <a:t> Use </a:t>
+              <a:t> Breakdown the problem into smaller steps</a:t>
+            </a:r>
+          </a:p>
+          <a:p>
+            <a:pPr algn="l" fontAlgn="base">
+              <a:buFont typeface="+mj-lt"/>
+              <a:buAutoNum type="arabicPeriod" startAt="2"/>
+            </a:pPr>
+            <a:endParaRPr lang="en-PH" dirty="0"/>
+          </a:p>
+          <a:p>
+            <a:pPr algn="l" fontAlgn="base">
+              <a:buFont typeface="+mj-lt"/>
+              <a:buAutoNum type="arabicPeriod" startAt="3"/>
+            </a:pPr>
+            <a:r>
+              <a:rPr lang="en-PH" dirty="0"/>
+              <a:t> </a:t>
             </a:r>
             <a:r>
               <a:rPr lang="en-PH" b="1" dirty="0">
@@ -5779,88 +6091,41 @@
                   <a:srgbClr val="0070C0"/>
                 </a:solidFill>
               </a:rPr>
-              <a:t>appropriate sentence casings</a:t>
-            </a:r>
-            <a:r>
-              <a:rPr lang="en-PH" dirty="0"/>
-              <a:t>, such as </a:t>
-            </a:r>
-            <a:r>
-              <a:rPr lang="en-PH" b="1" dirty="0">
-                <a:solidFill>
-                  <a:srgbClr val="0070C0"/>
-                </a:solidFill>
-              </a:rPr>
-              <a:t>CamelCase for methods</a:t>
-            </a:r>
-            <a:r>
-              <a:rPr lang="en-PH" dirty="0"/>
-              <a:t>, </a:t>
-            </a:r>
-            <a:r>
-              <a:rPr lang="en-PH" b="1" dirty="0">
-                <a:solidFill>
-                  <a:srgbClr val="0070C0"/>
-                </a:solidFill>
-              </a:rPr>
-              <a:t>upper case for constants</a:t>
-            </a:r>
-            <a:r>
-              <a:rPr lang="en-PH" dirty="0"/>
-              <a:t> and </a:t>
-            </a:r>
-            <a:r>
-              <a:rPr lang="en-PH" b="1" dirty="0">
-                <a:solidFill>
-                  <a:srgbClr val="0070C0"/>
-                </a:solidFill>
-              </a:rPr>
-              <a:t>lower case for variables</a:t>
-            </a:r>
-            <a:r>
-              <a:rPr lang="en-PH" dirty="0"/>
-              <a:t>.</a:t>
-            </a:r>
-          </a:p>
-          <a:p>
-            <a:pPr algn="l" fontAlgn="base">
-              <a:buFont typeface="+mj-lt"/>
-              <a:buAutoNum type="arabicPeriod" startAt="2"/>
-            </a:pPr>
-            <a:endParaRPr lang="en-PH" dirty="0"/>
+              <a:t>Write the pseudocode</a:t>
+            </a:r>
           </a:p>
           <a:p>
             <a:pPr algn="l" fontAlgn="base">
               <a:buFont typeface="+mj-lt"/>
               <a:buAutoNum type="arabicPeriod" startAt="3"/>
             </a:pPr>
+            <a:endParaRPr lang="en-PH" dirty="0"/>
+          </a:p>
+          <a:p>
+            <a:pPr algn="l" fontAlgn="base">
+              <a:buFont typeface="+mj-lt"/>
+              <a:buAutoNum type="arabicPeriod" startAt="3"/>
+            </a:pPr>
             <a:r>
               <a:rPr lang="en-PH" dirty="0"/>
-              <a:t> </a:t>
-            </a:r>
-            <a:r>
-              <a:rPr lang="en-PH" b="1" dirty="0">
-                <a:solidFill>
-                  <a:srgbClr val="0070C0"/>
-                </a:solidFill>
-              </a:rPr>
-              <a:t>Elaborate</a:t>
-            </a:r>
+              <a:t> Test the pseudocode</a:t>
+            </a:r>
+          </a:p>
+          <a:p>
+            <a:pPr algn="l" fontAlgn="base">
+              <a:buFont typeface="+mj-lt"/>
+              <a:buAutoNum type="arabicPeriod" startAt="3"/>
+            </a:pPr>
+            <a:endParaRPr lang="en-PH" dirty="0"/>
+          </a:p>
+          <a:p>
+            <a:pPr algn="l" fontAlgn="base">
+              <a:buFont typeface="+mj-lt"/>
+              <a:buAutoNum type="arabicPeriod" startAt="3"/>
+            </a:pPr>
             <a:r>
               <a:rPr lang="en-PH" dirty="0"/>
-              <a:t> everything which is going to happen in the actual code. </a:t>
-            </a:r>
-            <a:r>
-              <a:rPr lang="en-PH" b="1" dirty="0">
-                <a:solidFill>
-                  <a:srgbClr val="FF0000"/>
-                </a:solidFill>
-              </a:rPr>
-              <a:t>Don’t make the pseudo code abstract</a:t>
-            </a:r>
-            <a:r>
-              <a:rPr lang="en-PH" dirty="0"/>
-              <a:t>.</a:t>
+              <a:t> Translate the pseudocode into actual code.</a:t>
             </a:r>
           </a:p>
         </p:txBody>
